--- a/weekly_report/group1/group1_week4_ppt.pptx
+++ b/weekly_report/group1/group1_week4_ppt.pptx
@@ -5,35 +5,38 @@
     <p:sldMasterId id="2147483648" r:id="rId1"/>
   </p:sldMasterIdLst>
   <p:notesMasterIdLst>
-    <p:notesMasterId r:id="rId28"/>
+    <p:notesMasterId r:id="rId5"/>
   </p:notesMasterIdLst>
   <p:sldIdLst>
-    <p:sldId id="256" r:id="rId2"/>
-    <p:sldId id="257" r:id="rId3"/>
-    <p:sldId id="258" r:id="rId4"/>
-    <p:sldId id="259" r:id="rId5"/>
-    <p:sldId id="260" r:id="rId6"/>
-    <p:sldId id="261" r:id="rId7"/>
-    <p:sldId id="262" r:id="rId8"/>
-    <p:sldId id="263" r:id="rId9"/>
-    <p:sldId id="264" r:id="rId10"/>
-    <p:sldId id="265" r:id="rId11"/>
-    <p:sldId id="266" r:id="rId12"/>
-    <p:sldId id="267" r:id="rId13"/>
-    <p:sldId id="268" r:id="rId14"/>
-    <p:sldId id="269" r:id="rId15"/>
-    <p:sldId id="270" r:id="rId16"/>
-    <p:sldId id="271" r:id="rId17"/>
-    <p:sldId id="272" r:id="rId18"/>
-    <p:sldId id="273" r:id="rId19"/>
-    <p:sldId id="274" r:id="rId20"/>
-    <p:sldId id="275" r:id="rId21"/>
-    <p:sldId id="276" r:id="rId22"/>
-    <p:sldId id="277" r:id="rId23"/>
-    <p:sldId id="280" r:id="rId24"/>
-    <p:sldId id="281" r:id="rId25"/>
-    <p:sldId id="282" r:id="rId26"/>
-    <p:sldId id="283" r:id="rId27"/>
+    <p:sldId id="256" r:id="rId3"/>
+    <p:sldId id="257" r:id="rId4"/>
+    <p:sldId id="258" r:id="rId6"/>
+    <p:sldId id="259" r:id="rId7"/>
+    <p:sldId id="260" r:id="rId8"/>
+    <p:sldId id="261" r:id="rId9"/>
+    <p:sldId id="262" r:id="rId10"/>
+    <p:sldId id="263" r:id="rId11"/>
+    <p:sldId id="264" r:id="rId12"/>
+    <p:sldId id="265" r:id="rId13"/>
+    <p:sldId id="266" r:id="rId14"/>
+    <p:sldId id="267" r:id="rId15"/>
+    <p:sldId id="268" r:id="rId16"/>
+    <p:sldId id="269" r:id="rId17"/>
+    <p:sldId id="270" r:id="rId18"/>
+    <p:sldId id="271" r:id="rId19"/>
+    <p:sldId id="272" r:id="rId20"/>
+    <p:sldId id="273" r:id="rId21"/>
+    <p:sldId id="274" r:id="rId22"/>
+    <p:sldId id="275" r:id="rId23"/>
+    <p:sldId id="276" r:id="rId24"/>
+    <p:sldId id="277" r:id="rId25"/>
+    <p:sldId id="280" r:id="rId26"/>
+    <p:sldId id="281" r:id="rId27"/>
+    <p:sldId id="282" r:id="rId28"/>
+    <p:sldId id="283" r:id="rId29"/>
+    <p:sldId id="284" r:id="rId30"/>
+    <p:sldId id="285" r:id="rId31"/>
+    <p:sldId id="286" r:id="rId32"/>
   </p:sldIdLst>
   <p:sldSz cx="12192000" cy="6858000"/>
   <p:notesSz cx="6858000" cy="9144000"/>
@@ -217,7 +220,6 @@
           <a:p>
             <a:fld id="{67E48FC6-9B76-466D-AF51-9117E1A2EB23}" type="datetimeFigureOut">
               <a:rPr lang="zh-CN" altLang="en-US" smtClean="0"/>
-              <a:t>2017/10/19</a:t>
             </a:fld>
             <a:endParaRPr lang="zh-CN" altLang="en-US"/>
           </a:p>
@@ -284,6 +286,7 @@
               <a:rPr lang="zh-CN" altLang="en-US" smtClean="0"/>
               <a:t>编辑母版文本样式</a:t>
             </a:r>
+            <a:endParaRPr lang="zh-CN" altLang="en-US" smtClean="0"/>
           </a:p>
           <a:p>
             <a:pPr lvl="1"/>
@@ -291,6 +294,7 @@
               <a:rPr lang="zh-CN" altLang="en-US" smtClean="0"/>
               <a:t>第二级</a:t>
             </a:r>
+            <a:endParaRPr lang="zh-CN" altLang="en-US" smtClean="0"/>
           </a:p>
           <a:p>
             <a:pPr lvl="2"/>
@@ -298,6 +302,7 @@
               <a:rPr lang="zh-CN" altLang="en-US" smtClean="0"/>
               <a:t>第三级</a:t>
             </a:r>
+            <a:endParaRPr lang="zh-CN" altLang="en-US" smtClean="0"/>
           </a:p>
           <a:p>
             <a:pPr lvl="3"/>
@@ -305,6 +310,7 @@
               <a:rPr lang="zh-CN" altLang="en-US" smtClean="0"/>
               <a:t>第四级</a:t>
             </a:r>
+            <a:endParaRPr lang="zh-CN" altLang="en-US" smtClean="0"/>
           </a:p>
           <a:p>
             <a:pPr lvl="4"/>
@@ -376,18 +382,12 @@
           <a:p>
             <a:fld id="{D67E80F3-0E80-40A1-A2BE-B7EC742B755D}" type="slidenum">
               <a:rPr lang="zh-CN" altLang="en-US" smtClean="0"/>
-              <a:t>‹#›</a:t>
             </a:fld>
             <a:endParaRPr lang="zh-CN" altLang="en-US"/>
           </a:p>
         </p:txBody>
       </p:sp>
     </p:spTree>
-    <p:extLst>
-      <p:ext uri="{BB962C8B-B14F-4D97-AF65-F5344CB8AC3E}">
-        <p14:creationId xmlns:p14="http://schemas.microsoft.com/office/powerpoint/2010/main" val="4086200211"/>
-      </p:ext>
-    </p:extLst>
   </p:cSld>
   <p:clrMap bg1="lt1" tx1="dk1" bg2="lt2" tx2="dk2" accent1="accent1" accent2="accent2" accent3="accent3" accent4="accent4" accent5="accent5" accent6="accent6" hlink="hlink" folHlink="folHlink"/>
   <p:notesStyle>
@@ -554,18 +554,12 @@
           <a:p>
             <a:fld id="{D67E80F3-0E80-40A1-A2BE-B7EC742B755D}" type="slidenum">
               <a:rPr lang="zh-CN" altLang="en-US" smtClean="0"/>
-              <a:t>2</a:t>
             </a:fld>
             <a:endParaRPr lang="zh-CN" altLang="en-US"/>
           </a:p>
         </p:txBody>
       </p:sp>
     </p:spTree>
-    <p:extLst>
-      <p:ext uri="{BB962C8B-B14F-4D97-AF65-F5344CB8AC3E}">
-        <p14:creationId xmlns:p14="http://schemas.microsoft.com/office/powerpoint/2010/main" val="4024030329"/>
-      </p:ext>
-    </p:extLst>
   </p:cSld>
   <p:clrMapOvr>
     <a:masterClrMapping/>
@@ -574,7 +568,7 @@
 </file>
 
 <file path=ppt/slideLayouts/slideLayout1.xml><?xml version="1.0" encoding="utf-8"?>
-<p:sldLayout xmlns:a="http://schemas.openxmlformats.org/drawingml/2006/main" xmlns:r="http://schemas.openxmlformats.org/officeDocument/2006/relationships" xmlns:p="http://schemas.openxmlformats.org/presentationml/2006/main" showMasterSp="0" type="title" preserve="1">
+<p:sldLayout xmlns:a="http://schemas.openxmlformats.org/drawingml/2006/main" xmlns:r="http://schemas.openxmlformats.org/officeDocument/2006/relationships" xmlns:p="http://schemas.openxmlformats.org/presentationml/2006/main" type="title" preserve="1" showMasterSp="0">
   <p:cSld name="标题幻灯片">
     <p:spTree>
       <p:nvGrpSpPr>
@@ -621,15 +615,6 @@
             <a:avLst/>
           </a:prstGeom>
           <a:noFill/>
-          <a:extLst>
-            <a:ext uri="{909E8E84-426E-40dd-AFC4-6F175D3DCCD1}">
-              <a14:hiddenFill xmlns:a14="http://schemas.microsoft.com/office/drawing/2010/main" xmlns="">
-                <a:solidFill>
-                  <a:srgbClr val="FFFFFF"/>
-                </a:solidFill>
-              </a14:hiddenFill>
-            </a:ext>
-          </a:extLst>
         </p:spPr>
       </p:pic>
       <p:grpSp>
@@ -681,18 +666,6 @@
             <a:ln>
               <a:noFill/>
             </a:ln>
-            <a:extLst>
-              <a:ext uri="{91240B29-F687-4f45-9708-019B960494DF}">
-                <a14:hiddenLine xmlns:a14="http://schemas.microsoft.com/office/drawing/2010/main" xmlns="" w="9525">
-                  <a:solidFill>
-                    <a:srgbClr val="000000"/>
-                  </a:solidFill>
-                  <a:miter lim="800000"/>
-                  <a:headEnd/>
-                  <a:tailEnd/>
-                </a14:hiddenLine>
-              </a:ext>
-            </a:extLst>
           </p:spPr>
         </p:sp>
         <p:sp>
@@ -771,18 +744,6 @@
             <a:ln>
               <a:noFill/>
             </a:ln>
-            <a:extLst>
-              <a:ext uri="{91240B29-F687-4f45-9708-019B960494DF}">
-                <a14:hiddenLine xmlns:a14="http://schemas.microsoft.com/office/drawing/2010/main" xmlns="" w="9525">
-                  <a:solidFill>
-                    <a:srgbClr val="000000"/>
-                  </a:solidFill>
-                  <a:round/>
-                  <a:headEnd/>
-                  <a:tailEnd/>
-                </a14:hiddenLine>
-              </a:ext>
-            </a:extLst>
           </p:spPr>
         </p:sp>
         <p:sp>
@@ -861,18 +822,6 @@
             <a:ln>
               <a:noFill/>
             </a:ln>
-            <a:extLst>
-              <a:ext uri="{91240B29-F687-4f45-9708-019B960494DF}">
-                <a14:hiddenLine xmlns:a14="http://schemas.microsoft.com/office/drawing/2010/main" xmlns="" w="9525">
-                  <a:solidFill>
-                    <a:srgbClr val="000000"/>
-                  </a:solidFill>
-                  <a:round/>
-                  <a:headEnd/>
-                  <a:tailEnd/>
-                </a14:hiddenLine>
-              </a:ext>
-            </a:extLst>
           </p:spPr>
         </p:sp>
         <p:sp>
@@ -895,18 +844,6 @@
             <a:ln>
               <a:noFill/>
             </a:ln>
-            <a:extLst>
-              <a:ext uri="{91240B29-F687-4f45-9708-019B960494DF}">
-                <a14:hiddenLine xmlns:a14="http://schemas.microsoft.com/office/drawing/2010/main" xmlns="" w="9525">
-                  <a:solidFill>
-                    <a:srgbClr val="000000"/>
-                  </a:solidFill>
-                  <a:miter lim="800000"/>
-                  <a:headEnd/>
-                  <a:tailEnd/>
-                </a14:hiddenLine>
-              </a:ext>
-            </a:extLst>
           </p:spPr>
         </p:sp>
         <p:sp>
@@ -985,18 +922,6 @@
             <a:ln>
               <a:noFill/>
             </a:ln>
-            <a:extLst>
-              <a:ext uri="{91240B29-F687-4f45-9708-019B960494DF}">
-                <a14:hiddenLine xmlns:a14="http://schemas.microsoft.com/office/drawing/2010/main" xmlns="" w="9525">
-                  <a:solidFill>
-                    <a:srgbClr val="000000"/>
-                  </a:solidFill>
-                  <a:round/>
-                  <a:headEnd/>
-                  <a:tailEnd/>
-                </a14:hiddenLine>
-              </a:ext>
-            </a:extLst>
           </p:spPr>
         </p:sp>
         <p:sp>
@@ -1047,18 +972,6 @@
             <a:ln>
               <a:noFill/>
             </a:ln>
-            <a:extLst>
-              <a:ext uri="{91240B29-F687-4f45-9708-019B960494DF}">
-                <a14:hiddenLine xmlns:a14="http://schemas.microsoft.com/office/drawing/2010/main" xmlns="" w="9525">
-                  <a:solidFill>
-                    <a:srgbClr val="000000"/>
-                  </a:solidFill>
-                  <a:round/>
-                  <a:headEnd/>
-                  <a:tailEnd/>
-                </a14:hiddenLine>
-              </a:ext>
-            </a:extLst>
           </p:spPr>
         </p:sp>
         <p:sp>
@@ -1109,18 +1022,6 @@
             <a:ln>
               <a:noFill/>
             </a:ln>
-            <a:extLst>
-              <a:ext uri="{91240B29-F687-4f45-9708-019B960494DF}">
-                <a14:hiddenLine xmlns:a14="http://schemas.microsoft.com/office/drawing/2010/main" xmlns="" w="9525">
-                  <a:solidFill>
-                    <a:srgbClr val="000000"/>
-                  </a:solidFill>
-                  <a:round/>
-                  <a:headEnd/>
-                  <a:tailEnd/>
-                </a14:hiddenLine>
-              </a:ext>
-            </a:extLst>
           </p:spPr>
         </p:sp>
         <p:sp>
@@ -1199,18 +1100,6 @@
             <a:ln>
               <a:noFill/>
             </a:ln>
-            <a:extLst>
-              <a:ext uri="{91240B29-F687-4f45-9708-019B960494DF}">
-                <a14:hiddenLine xmlns:a14="http://schemas.microsoft.com/office/drawing/2010/main" xmlns="" w="9525">
-                  <a:solidFill>
-                    <a:srgbClr val="000000"/>
-                  </a:solidFill>
-                  <a:round/>
-                  <a:headEnd/>
-                  <a:tailEnd/>
-                </a14:hiddenLine>
-              </a:ext>
-            </a:extLst>
           </p:spPr>
         </p:sp>
         <p:sp>
@@ -1261,18 +1150,6 @@
             <a:ln>
               <a:noFill/>
             </a:ln>
-            <a:extLst>
-              <a:ext uri="{91240B29-F687-4f45-9708-019B960494DF}">
-                <a14:hiddenLine xmlns:a14="http://schemas.microsoft.com/office/drawing/2010/main" xmlns="" w="9525">
-                  <a:solidFill>
-                    <a:srgbClr val="000000"/>
-                  </a:solidFill>
-                  <a:round/>
-                  <a:headEnd/>
-                  <a:tailEnd/>
-                </a14:hiddenLine>
-              </a:ext>
-            </a:extLst>
           </p:spPr>
         </p:sp>
         <p:sp>
@@ -1323,18 +1200,6 @@
             <a:ln>
               <a:noFill/>
             </a:ln>
-            <a:extLst>
-              <a:ext uri="{91240B29-F687-4f45-9708-019B960494DF}">
-                <a14:hiddenLine xmlns:a14="http://schemas.microsoft.com/office/drawing/2010/main" xmlns="" w="9525">
-                  <a:solidFill>
-                    <a:srgbClr val="000000"/>
-                  </a:solidFill>
-                  <a:round/>
-                  <a:headEnd/>
-                  <a:tailEnd/>
-                </a14:hiddenLine>
-              </a:ext>
-            </a:extLst>
           </p:spPr>
         </p:sp>
         <p:sp>
@@ -1413,18 +1278,6 @@
             <a:ln>
               <a:noFill/>
             </a:ln>
-            <a:extLst>
-              <a:ext uri="{91240B29-F687-4f45-9708-019B960494DF}">
-                <a14:hiddenLine xmlns:a14="http://schemas.microsoft.com/office/drawing/2010/main" xmlns="" w="9525">
-                  <a:solidFill>
-                    <a:srgbClr val="000000"/>
-                  </a:solidFill>
-                  <a:round/>
-                  <a:headEnd/>
-                  <a:tailEnd/>
-                </a14:hiddenLine>
-              </a:ext>
-            </a:extLst>
           </p:spPr>
         </p:sp>
         <p:sp>
@@ -1503,18 +1356,6 @@
             <a:ln>
               <a:noFill/>
             </a:ln>
-            <a:extLst>
-              <a:ext uri="{91240B29-F687-4f45-9708-019B960494DF}">
-                <a14:hiddenLine xmlns:a14="http://schemas.microsoft.com/office/drawing/2010/main" xmlns="" w="9525">
-                  <a:solidFill>
-                    <a:srgbClr val="000000"/>
-                  </a:solidFill>
-                  <a:round/>
-                  <a:headEnd/>
-                  <a:tailEnd/>
-                </a14:hiddenLine>
-              </a:ext>
-            </a:extLst>
           </p:spPr>
         </p:sp>
         <p:sp>
@@ -1565,18 +1406,6 @@
             <a:ln>
               <a:noFill/>
             </a:ln>
-            <a:extLst>
-              <a:ext uri="{91240B29-F687-4f45-9708-019B960494DF}">
-                <a14:hiddenLine xmlns:a14="http://schemas.microsoft.com/office/drawing/2010/main" xmlns="" w="9525">
-                  <a:solidFill>
-                    <a:srgbClr val="000000"/>
-                  </a:solidFill>
-                  <a:round/>
-                  <a:headEnd/>
-                  <a:tailEnd/>
-                </a14:hiddenLine>
-              </a:ext>
-            </a:extLst>
           </p:spPr>
         </p:sp>
         <p:sp>
@@ -1675,18 +1504,6 @@
             <a:ln>
               <a:noFill/>
             </a:ln>
-            <a:extLst>
-              <a:ext uri="{91240B29-F687-4f45-9708-019B960494DF}">
-                <a14:hiddenLine xmlns:a14="http://schemas.microsoft.com/office/drawing/2010/main" xmlns="" w="9525">
-                  <a:solidFill>
-                    <a:srgbClr val="000000"/>
-                  </a:solidFill>
-                  <a:round/>
-                  <a:headEnd/>
-                  <a:tailEnd/>
-                </a14:hiddenLine>
-              </a:ext>
-            </a:extLst>
           </p:spPr>
         </p:sp>
         <p:sp>
@@ -1737,18 +1554,6 @@
             <a:ln>
               <a:noFill/>
             </a:ln>
-            <a:extLst>
-              <a:ext uri="{91240B29-F687-4f45-9708-019B960494DF}">
-                <a14:hiddenLine xmlns:a14="http://schemas.microsoft.com/office/drawing/2010/main" xmlns="" w="9525">
-                  <a:solidFill>
-                    <a:srgbClr val="000000"/>
-                  </a:solidFill>
-                  <a:round/>
-                  <a:headEnd/>
-                  <a:tailEnd/>
-                </a14:hiddenLine>
-              </a:ext>
-            </a:extLst>
           </p:spPr>
         </p:sp>
         <p:sp>
@@ -1827,18 +1632,6 @@
             <a:ln>
               <a:noFill/>
             </a:ln>
-            <a:extLst>
-              <a:ext uri="{91240B29-F687-4f45-9708-019B960494DF}">
-                <a14:hiddenLine xmlns:a14="http://schemas.microsoft.com/office/drawing/2010/main" xmlns="" w="9525">
-                  <a:solidFill>
-                    <a:srgbClr val="000000"/>
-                  </a:solidFill>
-                  <a:round/>
-                  <a:headEnd/>
-                  <a:tailEnd/>
-                </a14:hiddenLine>
-              </a:ext>
-            </a:extLst>
           </p:spPr>
         </p:sp>
         <p:sp>
@@ -1917,18 +1710,6 @@
             <a:ln>
               <a:noFill/>
             </a:ln>
-            <a:extLst>
-              <a:ext uri="{91240B29-F687-4f45-9708-019B960494DF}">
-                <a14:hiddenLine xmlns:a14="http://schemas.microsoft.com/office/drawing/2010/main" xmlns="" w="9525">
-                  <a:solidFill>
-                    <a:srgbClr val="000000"/>
-                  </a:solidFill>
-                  <a:round/>
-                  <a:headEnd/>
-                  <a:tailEnd/>
-                </a14:hiddenLine>
-              </a:ext>
-            </a:extLst>
           </p:spPr>
         </p:sp>
         <p:sp>
@@ -1979,18 +1760,6 @@
             <a:ln>
               <a:noFill/>
             </a:ln>
-            <a:extLst>
-              <a:ext uri="{91240B29-F687-4f45-9708-019B960494DF}">
-                <a14:hiddenLine xmlns:a14="http://schemas.microsoft.com/office/drawing/2010/main" xmlns="" w="9525">
-                  <a:solidFill>
-                    <a:srgbClr val="000000"/>
-                  </a:solidFill>
-                  <a:round/>
-                  <a:headEnd/>
-                  <a:tailEnd/>
-                </a14:hiddenLine>
-              </a:ext>
-            </a:extLst>
           </p:spPr>
         </p:sp>
         <p:sp>
@@ -2069,18 +1838,6 @@
             <a:ln>
               <a:noFill/>
             </a:ln>
-            <a:extLst>
-              <a:ext uri="{91240B29-F687-4f45-9708-019B960494DF}">
-                <a14:hiddenLine xmlns:a14="http://schemas.microsoft.com/office/drawing/2010/main" xmlns="" w="9525">
-                  <a:solidFill>
-                    <a:srgbClr val="000000"/>
-                  </a:solidFill>
-                  <a:round/>
-                  <a:headEnd/>
-                  <a:tailEnd/>
-                </a14:hiddenLine>
-              </a:ext>
-            </a:extLst>
           </p:spPr>
         </p:sp>
         <p:sp>
@@ -2159,18 +1916,6 @@
             <a:ln>
               <a:noFill/>
             </a:ln>
-            <a:extLst>
-              <a:ext uri="{91240B29-F687-4f45-9708-019B960494DF}">
-                <a14:hiddenLine xmlns:a14="http://schemas.microsoft.com/office/drawing/2010/main" xmlns="" w="9525">
-                  <a:solidFill>
-                    <a:srgbClr val="000000"/>
-                  </a:solidFill>
-                  <a:round/>
-                  <a:headEnd/>
-                  <a:tailEnd/>
-                </a14:hiddenLine>
-              </a:ext>
-            </a:extLst>
           </p:spPr>
         </p:sp>
         <p:sp>
@@ -2215,18 +1960,6 @@
             <a:ln>
               <a:noFill/>
             </a:ln>
-            <a:extLst>
-              <a:ext uri="{91240B29-F687-4f45-9708-019B960494DF}">
-                <a14:hiddenLine xmlns:a14="http://schemas.microsoft.com/office/drawing/2010/main" xmlns="" w="9525">
-                  <a:solidFill>
-                    <a:srgbClr val="000000"/>
-                  </a:solidFill>
-                  <a:round/>
-                  <a:headEnd/>
-                  <a:tailEnd/>
-                </a14:hiddenLine>
-              </a:ext>
-            </a:extLst>
           </p:spPr>
         </p:sp>
         <p:sp>
@@ -2305,18 +2038,6 @@
             <a:ln>
               <a:noFill/>
             </a:ln>
-            <a:extLst>
-              <a:ext uri="{91240B29-F687-4f45-9708-019B960494DF}">
-                <a14:hiddenLine xmlns:a14="http://schemas.microsoft.com/office/drawing/2010/main" xmlns="" w="9525">
-                  <a:solidFill>
-                    <a:srgbClr val="000000"/>
-                  </a:solidFill>
-                  <a:round/>
-                  <a:headEnd/>
-                  <a:tailEnd/>
-                </a14:hiddenLine>
-              </a:ext>
-            </a:extLst>
           </p:spPr>
         </p:sp>
         <p:sp>
@@ -2361,18 +2082,6 @@
             <a:ln>
               <a:noFill/>
             </a:ln>
-            <a:extLst>
-              <a:ext uri="{91240B29-F687-4f45-9708-019B960494DF}">
-                <a14:hiddenLine xmlns:a14="http://schemas.microsoft.com/office/drawing/2010/main" xmlns="" w="9525">
-                  <a:solidFill>
-                    <a:srgbClr val="000000"/>
-                  </a:solidFill>
-                  <a:round/>
-                  <a:headEnd/>
-                  <a:tailEnd/>
-                </a14:hiddenLine>
-              </a:ext>
-            </a:extLst>
           </p:spPr>
         </p:sp>
         <p:sp>
@@ -2451,18 +2160,6 @@
             <a:ln>
               <a:noFill/>
             </a:ln>
-            <a:extLst>
-              <a:ext uri="{91240B29-F687-4f45-9708-019B960494DF}">
-                <a14:hiddenLine xmlns:a14="http://schemas.microsoft.com/office/drawing/2010/main" xmlns="" w="9525">
-                  <a:solidFill>
-                    <a:srgbClr val="000000"/>
-                  </a:solidFill>
-                  <a:round/>
-                  <a:headEnd/>
-                  <a:tailEnd/>
-                </a14:hiddenLine>
-              </a:ext>
-            </a:extLst>
           </p:spPr>
         </p:sp>
         <p:sp>
@@ -2519,18 +2216,6 @@
             <a:ln>
               <a:noFill/>
             </a:ln>
-            <a:extLst>
-              <a:ext uri="{91240B29-F687-4f45-9708-019B960494DF}">
-                <a14:hiddenLine xmlns:a14="http://schemas.microsoft.com/office/drawing/2010/main" xmlns="" w="9525">
-                  <a:solidFill>
-                    <a:srgbClr val="000000"/>
-                  </a:solidFill>
-                  <a:round/>
-                  <a:headEnd/>
-                  <a:tailEnd/>
-                </a14:hiddenLine>
-              </a:ext>
-            </a:extLst>
           </p:spPr>
         </p:sp>
         <p:sp>
@@ -2609,18 +2294,6 @@
             <a:ln>
               <a:noFill/>
             </a:ln>
-            <a:extLst>
-              <a:ext uri="{91240B29-F687-4f45-9708-019B960494DF}">
-                <a14:hiddenLine xmlns:a14="http://schemas.microsoft.com/office/drawing/2010/main" xmlns="" w="9525">
-                  <a:solidFill>
-                    <a:srgbClr val="000000"/>
-                  </a:solidFill>
-                  <a:round/>
-                  <a:headEnd/>
-                  <a:tailEnd/>
-                </a14:hiddenLine>
-              </a:ext>
-            </a:extLst>
           </p:spPr>
         </p:sp>
         <p:sp>
@@ -2677,18 +2350,6 @@
             <a:ln>
               <a:noFill/>
             </a:ln>
-            <a:extLst>
-              <a:ext uri="{91240B29-F687-4f45-9708-019B960494DF}">
-                <a14:hiddenLine xmlns:a14="http://schemas.microsoft.com/office/drawing/2010/main" xmlns="" w="9525">
-                  <a:solidFill>
-                    <a:srgbClr val="000000"/>
-                  </a:solidFill>
-                  <a:round/>
-                  <a:headEnd/>
-                  <a:tailEnd/>
-                </a14:hiddenLine>
-              </a:ext>
-            </a:extLst>
           </p:spPr>
         </p:sp>
         <p:sp>
@@ -2767,18 +2428,6 @@
             <a:ln>
               <a:noFill/>
             </a:ln>
-            <a:extLst>
-              <a:ext uri="{91240B29-F687-4f45-9708-019B960494DF}">
-                <a14:hiddenLine xmlns:a14="http://schemas.microsoft.com/office/drawing/2010/main" xmlns="" w="9525">
-                  <a:solidFill>
-                    <a:srgbClr val="000000"/>
-                  </a:solidFill>
-                  <a:round/>
-                  <a:headEnd/>
-                  <a:tailEnd/>
-                </a14:hiddenLine>
-              </a:ext>
-            </a:extLst>
           </p:spPr>
         </p:sp>
         <p:sp>
@@ -2801,18 +2450,6 @@
             <a:ln>
               <a:noFill/>
             </a:ln>
-            <a:extLst>
-              <a:ext uri="{91240B29-F687-4f45-9708-019B960494DF}">
-                <a14:hiddenLine xmlns:a14="http://schemas.microsoft.com/office/drawing/2010/main" xmlns="" w="9525">
-                  <a:solidFill>
-                    <a:srgbClr val="000000"/>
-                  </a:solidFill>
-                  <a:miter lim="800000"/>
-                  <a:headEnd/>
-                  <a:tailEnd/>
-                </a14:hiddenLine>
-              </a:ext>
-            </a:extLst>
           </p:spPr>
         </p:sp>
         <p:sp>
@@ -2891,18 +2528,6 @@
             <a:ln>
               <a:noFill/>
             </a:ln>
-            <a:extLst>
-              <a:ext uri="{91240B29-F687-4f45-9708-019B960494DF}">
-                <a14:hiddenLine xmlns:a14="http://schemas.microsoft.com/office/drawing/2010/main" xmlns="" w="9525">
-                  <a:solidFill>
-                    <a:srgbClr val="000000"/>
-                  </a:solidFill>
-                  <a:round/>
-                  <a:headEnd/>
-                  <a:tailEnd/>
-                </a14:hiddenLine>
-              </a:ext>
-            </a:extLst>
           </p:spPr>
         </p:sp>
         <p:sp>
@@ -2953,18 +2578,6 @@
             <a:ln>
               <a:noFill/>
             </a:ln>
-            <a:extLst>
-              <a:ext uri="{91240B29-F687-4f45-9708-019B960494DF}">
-                <a14:hiddenLine xmlns:a14="http://schemas.microsoft.com/office/drawing/2010/main" xmlns="" w="9525">
-                  <a:solidFill>
-                    <a:srgbClr val="000000"/>
-                  </a:solidFill>
-                  <a:round/>
-                  <a:headEnd/>
-                  <a:tailEnd/>
-                </a14:hiddenLine>
-              </a:ext>
-            </a:extLst>
           </p:spPr>
         </p:sp>
         <p:sp>
@@ -3015,18 +2628,6 @@
             <a:ln>
               <a:noFill/>
             </a:ln>
-            <a:extLst>
-              <a:ext uri="{91240B29-F687-4f45-9708-019B960494DF}">
-                <a14:hiddenLine xmlns:a14="http://schemas.microsoft.com/office/drawing/2010/main" xmlns="" w="9525">
-                  <a:solidFill>
-                    <a:srgbClr val="000000"/>
-                  </a:solidFill>
-                  <a:round/>
-                  <a:headEnd/>
-                  <a:tailEnd/>
-                </a14:hiddenLine>
-              </a:ext>
-            </a:extLst>
           </p:spPr>
         </p:sp>
         <p:sp>
@@ -3105,18 +2706,6 @@
             <a:ln>
               <a:noFill/>
             </a:ln>
-            <a:extLst>
-              <a:ext uri="{91240B29-F687-4f45-9708-019B960494DF}">
-                <a14:hiddenLine xmlns:a14="http://schemas.microsoft.com/office/drawing/2010/main" xmlns="" w="9525">
-                  <a:solidFill>
-                    <a:srgbClr val="000000"/>
-                  </a:solidFill>
-                  <a:round/>
-                  <a:headEnd/>
-                  <a:tailEnd/>
-                </a14:hiddenLine>
-              </a:ext>
-            </a:extLst>
           </p:spPr>
         </p:sp>
         <p:sp>
@@ -3173,18 +2762,6 @@
             <a:ln>
               <a:noFill/>
             </a:ln>
-            <a:extLst>
-              <a:ext uri="{91240B29-F687-4f45-9708-019B960494DF}">
-                <a14:hiddenLine xmlns:a14="http://schemas.microsoft.com/office/drawing/2010/main" xmlns="" w="9525">
-                  <a:solidFill>
-                    <a:srgbClr val="000000"/>
-                  </a:solidFill>
-                  <a:round/>
-                  <a:headEnd/>
-                  <a:tailEnd/>
-                </a14:hiddenLine>
-              </a:ext>
-            </a:extLst>
           </p:spPr>
         </p:sp>
         <p:sp>
@@ -3235,18 +2812,6 @@
             <a:ln>
               <a:noFill/>
             </a:ln>
-            <a:extLst>
-              <a:ext uri="{91240B29-F687-4f45-9708-019B960494DF}">
-                <a14:hiddenLine xmlns:a14="http://schemas.microsoft.com/office/drawing/2010/main" xmlns="" w="9525">
-                  <a:solidFill>
-                    <a:srgbClr val="000000"/>
-                  </a:solidFill>
-                  <a:round/>
-                  <a:headEnd/>
-                  <a:tailEnd/>
-                </a14:hiddenLine>
-              </a:ext>
-            </a:extLst>
           </p:spPr>
         </p:sp>
         <p:sp>
@@ -3325,18 +2890,6 @@
             <a:ln>
               <a:noFill/>
             </a:ln>
-            <a:extLst>
-              <a:ext uri="{91240B29-F687-4f45-9708-019B960494DF}">
-                <a14:hiddenLine xmlns:a14="http://schemas.microsoft.com/office/drawing/2010/main" xmlns="" w="9525">
-                  <a:solidFill>
-                    <a:srgbClr val="000000"/>
-                  </a:solidFill>
-                  <a:round/>
-                  <a:headEnd/>
-                  <a:tailEnd/>
-                </a14:hiddenLine>
-              </a:ext>
-            </a:extLst>
           </p:spPr>
         </p:sp>
         <p:sp>
@@ -3387,18 +2940,6 @@
             <a:ln>
               <a:noFill/>
             </a:ln>
-            <a:extLst>
-              <a:ext uri="{91240B29-F687-4f45-9708-019B960494DF}">
-                <a14:hiddenLine xmlns:a14="http://schemas.microsoft.com/office/drawing/2010/main" xmlns="" w="9525">
-                  <a:solidFill>
-                    <a:srgbClr val="000000"/>
-                  </a:solidFill>
-                  <a:round/>
-                  <a:headEnd/>
-                  <a:tailEnd/>
-                </a14:hiddenLine>
-              </a:ext>
-            </a:extLst>
           </p:spPr>
         </p:sp>
         <p:sp>
@@ -3477,18 +3018,6 @@
             <a:ln>
               <a:noFill/>
             </a:ln>
-            <a:extLst>
-              <a:ext uri="{91240B29-F687-4f45-9708-019B960494DF}">
-                <a14:hiddenLine xmlns:a14="http://schemas.microsoft.com/office/drawing/2010/main" xmlns="" w="9525">
-                  <a:solidFill>
-                    <a:srgbClr val="000000"/>
-                  </a:solidFill>
-                  <a:round/>
-                  <a:headEnd/>
-                  <a:tailEnd/>
-                </a14:hiddenLine>
-              </a:ext>
-            </a:extLst>
           </p:spPr>
         </p:sp>
         <p:sp>
@@ -3539,18 +3068,6 @@
             <a:ln>
               <a:noFill/>
             </a:ln>
-            <a:extLst>
-              <a:ext uri="{91240B29-F687-4f45-9708-019B960494DF}">
-                <a14:hiddenLine xmlns:a14="http://schemas.microsoft.com/office/drawing/2010/main" xmlns="" w="9525">
-                  <a:solidFill>
-                    <a:srgbClr val="000000"/>
-                  </a:solidFill>
-                  <a:round/>
-                  <a:headEnd/>
-                  <a:tailEnd/>
-                </a14:hiddenLine>
-              </a:ext>
-            </a:extLst>
           </p:spPr>
         </p:sp>
         <p:sp>
@@ -3629,18 +3146,6 @@
             <a:ln>
               <a:noFill/>
             </a:ln>
-            <a:extLst>
-              <a:ext uri="{91240B29-F687-4f45-9708-019B960494DF}">
-                <a14:hiddenLine xmlns:a14="http://schemas.microsoft.com/office/drawing/2010/main" xmlns="" w="9525">
-                  <a:solidFill>
-                    <a:srgbClr val="000000"/>
-                  </a:solidFill>
-                  <a:round/>
-                  <a:headEnd/>
-                  <a:tailEnd/>
-                </a14:hiddenLine>
-              </a:ext>
-            </a:extLst>
           </p:spPr>
         </p:sp>
         <p:sp>
@@ -3663,18 +3168,6 @@
             <a:ln>
               <a:noFill/>
             </a:ln>
-            <a:extLst>
-              <a:ext uri="{91240B29-F687-4f45-9708-019B960494DF}">
-                <a14:hiddenLine xmlns:a14="http://schemas.microsoft.com/office/drawing/2010/main" xmlns="" w="9525">
-                  <a:solidFill>
-                    <a:srgbClr val="000000"/>
-                  </a:solidFill>
-                  <a:miter lim="800000"/>
-                  <a:headEnd/>
-                  <a:tailEnd/>
-                </a14:hiddenLine>
-              </a:ext>
-            </a:extLst>
           </p:spPr>
         </p:sp>
         <p:sp>
@@ -3728,18 +3221,6 @@
             <a:ln>
               <a:noFill/>
             </a:ln>
-            <a:extLst>
-              <a:ext uri="{91240B29-F687-4f45-9708-019B960494DF}">
-                <a14:hiddenLine xmlns:a14="http://schemas.microsoft.com/office/drawing/2010/main" xmlns="" w="9525">
-                  <a:solidFill>
-                    <a:srgbClr val="000000"/>
-                  </a:solidFill>
-                  <a:round/>
-                  <a:headEnd/>
-                  <a:tailEnd/>
-                </a14:hiddenLine>
-              </a:ext>
-            </a:extLst>
           </p:spPr>
         </p:sp>
         <p:sp>
@@ -3818,18 +3299,6 @@
             <a:ln>
               <a:noFill/>
             </a:ln>
-            <a:extLst>
-              <a:ext uri="{91240B29-F687-4f45-9708-019B960494DF}">
-                <a14:hiddenLine xmlns:a14="http://schemas.microsoft.com/office/drawing/2010/main" xmlns="" w="9525">
-                  <a:solidFill>
-                    <a:srgbClr val="000000"/>
-                  </a:solidFill>
-                  <a:round/>
-                  <a:headEnd/>
-                  <a:tailEnd/>
-                </a14:hiddenLine>
-              </a:ext>
-            </a:extLst>
           </p:spPr>
         </p:sp>
         <p:sp>
@@ -3880,18 +3349,6 @@
             <a:ln>
               <a:noFill/>
             </a:ln>
-            <a:extLst>
-              <a:ext uri="{91240B29-F687-4f45-9708-019B960494DF}">
-                <a14:hiddenLine xmlns:a14="http://schemas.microsoft.com/office/drawing/2010/main" xmlns="" w="9525">
-                  <a:solidFill>
-                    <a:srgbClr val="000000"/>
-                  </a:solidFill>
-                  <a:round/>
-                  <a:headEnd/>
-                  <a:tailEnd/>
-                </a14:hiddenLine>
-              </a:ext>
-            </a:extLst>
           </p:spPr>
         </p:sp>
         <p:sp>
@@ -3970,18 +3427,6 @@
             <a:ln>
               <a:noFill/>
             </a:ln>
-            <a:extLst>
-              <a:ext uri="{91240B29-F687-4f45-9708-019B960494DF}">
-                <a14:hiddenLine xmlns:a14="http://schemas.microsoft.com/office/drawing/2010/main" xmlns="" w="9525">
-                  <a:solidFill>
-                    <a:srgbClr val="000000"/>
-                  </a:solidFill>
-                  <a:round/>
-                  <a:headEnd/>
-                  <a:tailEnd/>
-                </a14:hiddenLine>
-              </a:ext>
-            </a:extLst>
           </p:spPr>
         </p:sp>
         <p:sp>
@@ -4060,18 +3505,6 @@
             <a:ln>
               <a:noFill/>
             </a:ln>
-            <a:extLst>
-              <a:ext uri="{91240B29-F687-4f45-9708-019B960494DF}">
-                <a14:hiddenLine xmlns:a14="http://schemas.microsoft.com/office/drawing/2010/main" xmlns="" w="9525">
-                  <a:solidFill>
-                    <a:srgbClr val="000000"/>
-                  </a:solidFill>
-                  <a:round/>
-                  <a:headEnd/>
-                  <a:tailEnd/>
-                </a14:hiddenLine>
-              </a:ext>
-            </a:extLst>
           </p:spPr>
         </p:sp>
         <p:sp>
@@ -4125,18 +3558,6 @@
             <a:ln>
               <a:noFill/>
             </a:ln>
-            <a:extLst>
-              <a:ext uri="{91240B29-F687-4f45-9708-019B960494DF}">
-                <a14:hiddenLine xmlns:a14="http://schemas.microsoft.com/office/drawing/2010/main" xmlns="" w="9525">
-                  <a:solidFill>
-                    <a:srgbClr val="000000"/>
-                  </a:solidFill>
-                  <a:round/>
-                  <a:headEnd/>
-                  <a:tailEnd/>
-                </a14:hiddenLine>
-              </a:ext>
-            </a:extLst>
           </p:spPr>
         </p:sp>
         <p:sp>
@@ -4187,18 +3608,6 @@
             <a:ln>
               <a:noFill/>
             </a:ln>
-            <a:extLst>
-              <a:ext uri="{91240B29-F687-4f45-9708-019B960494DF}">
-                <a14:hiddenLine xmlns:a14="http://schemas.microsoft.com/office/drawing/2010/main" xmlns="" w="9525">
-                  <a:solidFill>
-                    <a:srgbClr val="000000"/>
-                  </a:solidFill>
-                  <a:round/>
-                  <a:headEnd/>
-                  <a:tailEnd/>
-                </a14:hiddenLine>
-              </a:ext>
-            </a:extLst>
           </p:spPr>
         </p:sp>
         <p:sp>
@@ -4277,18 +3686,6 @@
             <a:ln>
               <a:noFill/>
             </a:ln>
-            <a:extLst>
-              <a:ext uri="{91240B29-F687-4f45-9708-019B960494DF}">
-                <a14:hiddenLine xmlns:a14="http://schemas.microsoft.com/office/drawing/2010/main" xmlns="" w="9525">
-                  <a:solidFill>
-                    <a:srgbClr val="000000"/>
-                  </a:solidFill>
-                  <a:round/>
-                  <a:headEnd/>
-                  <a:tailEnd/>
-                </a14:hiddenLine>
-              </a:ext>
-            </a:extLst>
           </p:spPr>
         </p:sp>
         <p:sp>
@@ -4367,18 +3764,6 @@
             <a:ln>
               <a:noFill/>
             </a:ln>
-            <a:extLst>
-              <a:ext uri="{91240B29-F687-4f45-9708-019B960494DF}">
-                <a14:hiddenLine xmlns:a14="http://schemas.microsoft.com/office/drawing/2010/main" xmlns="" w="9525">
-                  <a:solidFill>
-                    <a:srgbClr val="000000"/>
-                  </a:solidFill>
-                  <a:round/>
-                  <a:headEnd/>
-                  <a:tailEnd/>
-                </a14:hiddenLine>
-              </a:ext>
-            </a:extLst>
           </p:spPr>
         </p:sp>
         <p:sp>
@@ -4429,18 +3814,6 @@
             <a:ln>
               <a:noFill/>
             </a:ln>
-            <a:extLst>
-              <a:ext uri="{91240B29-F687-4f45-9708-019B960494DF}">
-                <a14:hiddenLine xmlns:a14="http://schemas.microsoft.com/office/drawing/2010/main" xmlns="" w="9525">
-                  <a:solidFill>
-                    <a:srgbClr val="000000"/>
-                  </a:solidFill>
-                  <a:round/>
-                  <a:headEnd/>
-                  <a:tailEnd/>
-                </a14:hiddenLine>
-              </a:ext>
-            </a:extLst>
           </p:spPr>
         </p:sp>
         <p:sp>
@@ -4549,18 +3922,6 @@
             <a:ln>
               <a:noFill/>
             </a:ln>
-            <a:extLst>
-              <a:ext uri="{91240B29-F687-4f45-9708-019B960494DF}">
-                <a14:hiddenLine xmlns:a14="http://schemas.microsoft.com/office/drawing/2010/main" xmlns="" w="9525">
-                  <a:solidFill>
-                    <a:srgbClr val="000000"/>
-                  </a:solidFill>
-                  <a:round/>
-                  <a:headEnd/>
-                  <a:tailEnd/>
-                </a14:hiddenLine>
-              </a:ext>
-            </a:extLst>
           </p:spPr>
         </p:sp>
         <p:sp>
@@ -4617,18 +3978,6 @@
             <a:ln>
               <a:noFill/>
             </a:ln>
-            <a:extLst>
-              <a:ext uri="{91240B29-F687-4f45-9708-019B960494DF}">
-                <a14:hiddenLine xmlns:a14="http://schemas.microsoft.com/office/drawing/2010/main" xmlns="" w="9525">
-                  <a:solidFill>
-                    <a:srgbClr val="000000"/>
-                  </a:solidFill>
-                  <a:round/>
-                  <a:headEnd/>
-                  <a:tailEnd/>
-                </a14:hiddenLine>
-              </a:ext>
-            </a:extLst>
           </p:spPr>
         </p:sp>
         <p:sp>
@@ -4707,18 +4056,6 @@
             <a:ln>
               <a:noFill/>
             </a:ln>
-            <a:extLst>
-              <a:ext uri="{91240B29-F687-4f45-9708-019B960494DF}">
-                <a14:hiddenLine xmlns:a14="http://schemas.microsoft.com/office/drawing/2010/main" xmlns="" w="9525">
-                  <a:solidFill>
-                    <a:srgbClr val="000000"/>
-                  </a:solidFill>
-                  <a:round/>
-                  <a:headEnd/>
-                  <a:tailEnd/>
-                </a14:hiddenLine>
-              </a:ext>
-            </a:extLst>
           </p:spPr>
         </p:sp>
       </p:grpSp>
@@ -4763,7 +4100,7 @@
             <a:spLocks noGrp="1"/>
           </p:cNvSpPr>
           <p:nvPr>
-            <p:ph type="subTitle" idx="1"/>
+            <p:ph type="subTitle" idx="1" hasCustomPrompt="1"/>
           </p:nvPr>
         </p:nvSpPr>
         <p:spPr>
@@ -4849,7 +4186,6 @@
           <a:p>
             <a:fld id="{48A87A34-81AB-432B-8DAE-1953F412C126}" type="datetimeFigureOut">
               <a:rPr lang="en-US" dirty="0"/>
-              <a:t>10/19/2017</a:t>
             </a:fld>
             <a:endParaRPr lang="en-US" dirty="0"/>
           </a:p>
@@ -4901,7 +4237,6 @@
           <a:p>
             <a:fld id="{6D22F896-40B5-4ADD-8801-0D06FADFA095}" type="slidenum">
               <a:rPr lang="en-US" dirty="0"/>
-              <a:t>‹#›</a:t>
             </a:fld>
             <a:endParaRPr lang="en-US" dirty="0"/>
           </a:p>
@@ -5034,7 +4369,7 @@
             <a:spLocks noGrp="1"/>
           </p:cNvSpPr>
           <p:nvPr>
-            <p:ph type="body" sz="half" idx="2"/>
+            <p:ph type="body" sz="half" idx="2" hasCustomPrompt="1"/>
           </p:nvPr>
         </p:nvSpPr>
         <p:spPr>
@@ -5091,6 +4426,7 @@
               <a:rPr lang="zh-CN" altLang="en-US" smtClean="0"/>
               <a:t>编辑母版文本样式</a:t>
             </a:r>
+            <a:endParaRPr lang="zh-CN" altLang="en-US" smtClean="0"/>
           </a:p>
         </p:txBody>
       </p:sp>
@@ -5111,7 +4447,6 @@
           <a:p>
             <a:fld id="{48A87A34-81AB-432B-8DAE-1953F412C126}" type="datetimeFigureOut">
               <a:rPr lang="en-US" dirty="0"/>
-              <a:t>10/19/2017</a:t>
             </a:fld>
             <a:endParaRPr lang="en-US" dirty="0"/>
           </a:p>
@@ -5153,7 +4488,6 @@
           <a:p>
             <a:fld id="{6D22F896-40B5-4ADD-8801-0D06FADFA095}" type="slidenum">
               <a:rPr lang="en-US" dirty="0"/>
-              <a:t>‹#›</a:t>
             </a:fld>
             <a:endParaRPr lang="en-US" dirty="0"/>
           </a:p>
@@ -5225,7 +4559,7 @@
             <a:spLocks noGrp="1"/>
           </p:cNvSpPr>
           <p:nvPr>
-            <p:ph type="body" sz="half" idx="2"/>
+            <p:ph type="body" sz="half" idx="2" hasCustomPrompt="1"/>
           </p:nvPr>
         </p:nvSpPr>
         <p:spPr>
@@ -5282,6 +4616,7 @@
               <a:rPr lang="zh-CN" altLang="en-US" smtClean="0"/>
               <a:t>编辑母版文本样式</a:t>
             </a:r>
+            <a:endParaRPr lang="zh-CN" altLang="en-US" smtClean="0"/>
           </a:p>
         </p:txBody>
       </p:sp>
@@ -5302,7 +4637,6 @@
           <a:p>
             <a:fld id="{48A87A34-81AB-432B-8DAE-1953F412C126}" type="datetimeFigureOut">
               <a:rPr lang="en-US" dirty="0"/>
-              <a:t>10/19/2017</a:t>
             </a:fld>
             <a:endParaRPr lang="en-US" dirty="0"/>
           </a:p>
@@ -5344,7 +4678,6 @@
           <a:p>
             <a:fld id="{6D22F896-40B5-4ADD-8801-0D06FADFA095}" type="slidenum">
               <a:rPr lang="en-US" dirty="0"/>
-              <a:t>‹#›</a:t>
             </a:fld>
             <a:endParaRPr lang="en-US" dirty="0"/>
           </a:p>
@@ -5416,7 +4749,7 @@
             <a:spLocks noGrp="1"/>
           </p:cNvSpPr>
           <p:nvPr>
-            <p:ph type="body" sz="half" idx="13"/>
+            <p:ph type="body" sz="half" idx="13" hasCustomPrompt="1"/>
           </p:nvPr>
         </p:nvSpPr>
         <p:spPr>
@@ -5473,6 +4806,7 @@
               <a:rPr lang="zh-CN" altLang="en-US" smtClean="0"/>
               <a:t>编辑母版文本样式</a:t>
             </a:r>
+            <a:endParaRPr lang="zh-CN" altLang="en-US" smtClean="0"/>
           </a:p>
         </p:txBody>
       </p:sp>
@@ -5483,7 +4817,7 @@
             <a:spLocks noGrp="1"/>
           </p:cNvSpPr>
           <p:nvPr>
-            <p:ph type="body" sz="half" idx="2"/>
+            <p:ph type="body" sz="half" idx="2" hasCustomPrompt="1"/>
           </p:nvPr>
         </p:nvSpPr>
         <p:spPr>
@@ -5540,6 +4874,7 @@
               <a:rPr lang="zh-CN" altLang="en-US" smtClean="0"/>
               <a:t>编辑母版文本样式</a:t>
             </a:r>
+            <a:endParaRPr lang="zh-CN" altLang="en-US" smtClean="0"/>
           </a:p>
         </p:txBody>
       </p:sp>
@@ -5560,7 +4895,6 @@
           <a:p>
             <a:fld id="{48A87A34-81AB-432B-8DAE-1953F412C126}" type="datetimeFigureOut">
               <a:rPr lang="en-US" dirty="0"/>
-              <a:t>10/19/2017</a:t>
             </a:fld>
             <a:endParaRPr lang="en-US" dirty="0"/>
           </a:p>
@@ -5602,7 +4936,6 @@
           <a:p>
             <a:fld id="{6D22F896-40B5-4ADD-8801-0D06FADFA095}" type="slidenum">
               <a:rPr lang="en-US" dirty="0"/>
-              <a:t>‹#›</a:t>
             </a:fld>
             <a:endParaRPr lang="en-US" dirty="0"/>
           </a:p>
@@ -5653,7 +4986,7 @@
                 </a:effectLst>
                 <a:latin typeface="+mj-lt"/>
                 <a:ea typeface="+mj-ea"/>
-                <a:cs typeface="Trebuchet MS"/>
+                <a:cs typeface="Trebuchet MS" panose="020B0603020202020204"/>
               </a:defRPr>
             </a:lvl1pPr>
             <a:lvl2pPr>
@@ -5724,6 +5057,12 @@
               </a:rPr>
               <a:t>“</a:t>
             </a:r>
+            <a:endParaRPr lang="en-US" sz="8000" dirty="0">
+              <a:solidFill>
+                <a:schemeClr val="tx1"/>
+              </a:solidFill>
+              <a:effectLst/>
+            </a:endParaRPr>
           </a:p>
         </p:txBody>
       </p:sp>
@@ -5772,7 +5111,7 @@
                 </a:effectLst>
                 <a:latin typeface="+mj-lt"/>
                 <a:ea typeface="+mj-ea"/>
-                <a:cs typeface="Trebuchet MS"/>
+                <a:cs typeface="Trebuchet MS" panose="020B0603020202020204"/>
               </a:defRPr>
             </a:lvl1pPr>
             <a:lvl2pPr>
@@ -5843,6 +5182,12 @@
               </a:rPr>
               <a:t>”</a:t>
             </a:r>
+            <a:endParaRPr lang="en-US" sz="8000" dirty="0">
+              <a:solidFill>
+                <a:schemeClr val="tx1"/>
+              </a:solidFill>
+              <a:effectLst/>
+            </a:endParaRPr>
           </a:p>
         </p:txBody>
       </p:sp>
@@ -5912,7 +5257,7 @@
             <a:spLocks noGrp="1"/>
           </p:cNvSpPr>
           <p:nvPr>
-            <p:ph type="body" sz="half" idx="2"/>
+            <p:ph type="body" sz="half" idx="2" hasCustomPrompt="1"/>
           </p:nvPr>
         </p:nvSpPr>
         <p:spPr>
@@ -5969,6 +5314,7 @@
               <a:rPr lang="zh-CN" altLang="en-US" smtClean="0"/>
               <a:t>编辑母版文本样式</a:t>
             </a:r>
+            <a:endParaRPr lang="zh-CN" altLang="en-US" smtClean="0"/>
           </a:p>
         </p:txBody>
       </p:sp>
@@ -5989,7 +5335,6 @@
           <a:p>
             <a:fld id="{48A87A34-81AB-432B-8DAE-1953F412C126}" type="datetimeFigureOut">
               <a:rPr lang="en-US" dirty="0"/>
-              <a:t>10/19/2017</a:t>
             </a:fld>
             <a:endParaRPr lang="en-US" dirty="0"/>
           </a:p>
@@ -6031,7 +5376,6 @@
           <a:p>
             <a:fld id="{6D22F896-40B5-4ADD-8801-0D06FADFA095}" type="slidenum">
               <a:rPr lang="en-US" dirty="0"/>
-              <a:t>‹#›</a:t>
             </a:fld>
             <a:endParaRPr lang="en-US" dirty="0"/>
           </a:p>
@@ -6097,7 +5441,7 @@
             <a:spLocks noGrp="1"/>
           </p:cNvSpPr>
           <p:nvPr>
-            <p:ph type="body" idx="1"/>
+            <p:ph type="body" idx="1" hasCustomPrompt="1"/>
           </p:nvPr>
         </p:nvSpPr>
         <p:spPr>
@@ -6161,6 +5505,7 @@
               <a:rPr lang="zh-CN" altLang="en-US" smtClean="0"/>
               <a:t>编辑母版文本样式</a:t>
             </a:r>
+            <a:endParaRPr lang="zh-CN" altLang="en-US" smtClean="0"/>
           </a:p>
         </p:txBody>
       </p:sp>
@@ -6171,7 +5516,7 @@
             <a:spLocks noGrp="1"/>
           </p:cNvSpPr>
           <p:nvPr>
-            <p:ph type="body" sz="half" idx="15"/>
+            <p:ph type="body" sz="half" idx="15" hasCustomPrompt="1"/>
           </p:nvPr>
         </p:nvSpPr>
         <p:spPr>
@@ -6228,6 +5573,7 @@
               <a:rPr lang="zh-CN" altLang="en-US" smtClean="0"/>
               <a:t>编辑母版文本样式</a:t>
             </a:r>
+            <a:endParaRPr lang="zh-CN" altLang="en-US" smtClean="0"/>
           </a:p>
         </p:txBody>
       </p:sp>
@@ -6238,7 +5584,7 @@
             <a:spLocks noGrp="1"/>
           </p:cNvSpPr>
           <p:nvPr>
-            <p:ph type="body" sz="quarter" idx="3"/>
+            <p:ph type="body" sz="quarter" idx="3" hasCustomPrompt="1"/>
           </p:nvPr>
         </p:nvSpPr>
         <p:spPr>
@@ -6302,6 +5648,7 @@
               <a:rPr lang="zh-CN" altLang="en-US" smtClean="0"/>
               <a:t>编辑母版文本样式</a:t>
             </a:r>
+            <a:endParaRPr lang="zh-CN" altLang="en-US" smtClean="0"/>
           </a:p>
         </p:txBody>
       </p:sp>
@@ -6312,7 +5659,7 @@
             <a:spLocks noGrp="1"/>
           </p:cNvSpPr>
           <p:nvPr>
-            <p:ph type="body" sz="half" idx="16"/>
+            <p:ph type="body" sz="half" idx="16" hasCustomPrompt="1"/>
           </p:nvPr>
         </p:nvSpPr>
         <p:spPr>
@@ -6369,6 +5716,7 @@
               <a:rPr lang="zh-CN" altLang="en-US" smtClean="0"/>
               <a:t>编辑母版文本样式</a:t>
             </a:r>
+            <a:endParaRPr lang="zh-CN" altLang="en-US" smtClean="0"/>
           </a:p>
         </p:txBody>
       </p:sp>
@@ -6379,7 +5727,7 @@
             <a:spLocks noGrp="1"/>
           </p:cNvSpPr>
           <p:nvPr>
-            <p:ph type="body" sz="quarter" idx="13"/>
+            <p:ph type="body" sz="quarter" idx="13" hasCustomPrompt="1"/>
           </p:nvPr>
         </p:nvSpPr>
         <p:spPr>
@@ -6443,6 +5791,7 @@
               <a:rPr lang="zh-CN" altLang="en-US" smtClean="0"/>
               <a:t>编辑母版文本样式</a:t>
             </a:r>
+            <a:endParaRPr lang="zh-CN" altLang="en-US" smtClean="0"/>
           </a:p>
         </p:txBody>
       </p:sp>
@@ -6453,7 +5802,7 @@
             <a:spLocks noGrp="1"/>
           </p:cNvSpPr>
           <p:nvPr>
-            <p:ph type="body" sz="half" idx="17"/>
+            <p:ph type="body" sz="half" idx="17" hasCustomPrompt="1"/>
           </p:nvPr>
         </p:nvSpPr>
         <p:spPr>
@@ -6510,6 +5859,7 @@
               <a:rPr lang="zh-CN" altLang="en-US" smtClean="0"/>
               <a:t>编辑母版文本样式</a:t>
             </a:r>
+            <a:endParaRPr lang="zh-CN" altLang="en-US" smtClean="0"/>
           </a:p>
         </p:txBody>
       </p:sp>
@@ -6530,7 +5880,6 @@
           <a:p>
             <a:fld id="{48A87A34-81AB-432B-8DAE-1953F412C126}" type="datetimeFigureOut">
               <a:rPr lang="en-US" dirty="0"/>
-              <a:t>10/19/2017</a:t>
             </a:fld>
             <a:endParaRPr lang="en-US" dirty="0"/>
           </a:p>
@@ -6572,7 +5921,6 @@
           <a:p>
             <a:fld id="{6D22F896-40B5-4ADD-8801-0D06FADFA095}" type="slidenum">
               <a:rPr lang="en-US" dirty="0"/>
-              <a:t>‹#›</a:t>
             </a:fld>
             <a:endParaRPr lang="en-US" dirty="0"/>
           </a:p>
@@ -6638,7 +5986,7 @@
             <a:spLocks noGrp="1"/>
           </p:cNvSpPr>
           <p:nvPr>
-            <p:ph type="body" idx="1"/>
+            <p:ph type="body" idx="1" hasCustomPrompt="1"/>
           </p:nvPr>
         </p:nvSpPr>
         <p:spPr>
@@ -6702,6 +6050,7 @@
               <a:rPr lang="zh-CN" altLang="en-US" smtClean="0"/>
               <a:t>编辑母版文本样式</a:t>
             </a:r>
+            <a:endParaRPr lang="zh-CN" altLang="en-US" smtClean="0"/>
           </a:p>
         </p:txBody>
       </p:sp>
@@ -6770,7 +6119,7 @@
             <a:spLocks noGrp="1"/>
           </p:cNvSpPr>
           <p:nvPr>
-            <p:ph type="body" sz="half" idx="18"/>
+            <p:ph type="body" sz="half" idx="18" hasCustomPrompt="1"/>
           </p:nvPr>
         </p:nvSpPr>
         <p:spPr>
@@ -6827,6 +6176,7 @@
               <a:rPr lang="zh-CN" altLang="en-US" smtClean="0"/>
               <a:t>编辑母版文本样式</a:t>
             </a:r>
+            <a:endParaRPr lang="zh-CN" altLang="en-US" smtClean="0"/>
           </a:p>
         </p:txBody>
       </p:sp>
@@ -6837,7 +6187,7 @@
             <a:spLocks noGrp="1"/>
           </p:cNvSpPr>
           <p:nvPr>
-            <p:ph type="body" sz="quarter" idx="3"/>
+            <p:ph type="body" sz="quarter" idx="3" hasCustomPrompt="1"/>
           </p:nvPr>
         </p:nvSpPr>
         <p:spPr>
@@ -6901,6 +6251,7 @@
               <a:rPr lang="zh-CN" altLang="en-US" smtClean="0"/>
               <a:t>编辑母版文本样式</a:t>
             </a:r>
+            <a:endParaRPr lang="zh-CN" altLang="en-US" smtClean="0"/>
           </a:p>
         </p:txBody>
       </p:sp>
@@ -6969,7 +6320,7 @@
             <a:spLocks noGrp="1"/>
           </p:cNvSpPr>
           <p:nvPr>
-            <p:ph type="body" sz="half" idx="19"/>
+            <p:ph type="body" sz="half" idx="19" hasCustomPrompt="1"/>
           </p:nvPr>
         </p:nvSpPr>
         <p:spPr>
@@ -7026,6 +6377,7 @@
               <a:rPr lang="zh-CN" altLang="en-US" smtClean="0"/>
               <a:t>编辑母版文本样式</a:t>
             </a:r>
+            <a:endParaRPr lang="zh-CN" altLang="en-US" smtClean="0"/>
           </a:p>
         </p:txBody>
       </p:sp>
@@ -7036,7 +6388,7 @@
             <a:spLocks noGrp="1"/>
           </p:cNvSpPr>
           <p:nvPr>
-            <p:ph type="body" sz="quarter" idx="13"/>
+            <p:ph type="body" sz="quarter" idx="13" hasCustomPrompt="1"/>
           </p:nvPr>
         </p:nvSpPr>
         <p:spPr>
@@ -7100,6 +6452,7 @@
               <a:rPr lang="zh-CN" altLang="en-US" smtClean="0"/>
               <a:t>编辑母版文本样式</a:t>
             </a:r>
+            <a:endParaRPr lang="zh-CN" altLang="en-US" smtClean="0"/>
           </a:p>
         </p:txBody>
       </p:sp>
@@ -7168,7 +6521,7 @@
             <a:spLocks noGrp="1"/>
           </p:cNvSpPr>
           <p:nvPr>
-            <p:ph type="body" sz="half" idx="20"/>
+            <p:ph type="body" sz="half" idx="20" hasCustomPrompt="1"/>
           </p:nvPr>
         </p:nvSpPr>
         <p:spPr>
@@ -7225,6 +6578,7 @@
               <a:rPr lang="zh-CN" altLang="en-US" smtClean="0"/>
               <a:t>编辑母版文本样式</a:t>
             </a:r>
+            <a:endParaRPr lang="zh-CN" altLang="en-US" smtClean="0"/>
           </a:p>
         </p:txBody>
       </p:sp>
@@ -7245,7 +6599,6 @@
           <a:p>
             <a:fld id="{48A87A34-81AB-432B-8DAE-1953F412C126}" type="datetimeFigureOut">
               <a:rPr lang="en-US" dirty="0"/>
-              <a:t>10/19/2017</a:t>
             </a:fld>
             <a:endParaRPr lang="en-US" dirty="0"/>
           </a:p>
@@ -7287,7 +6640,6 @@
           <a:p>
             <a:fld id="{6D22F896-40B5-4ADD-8801-0D06FADFA095}" type="slidenum">
               <a:rPr lang="en-US" dirty="0"/>
-              <a:t>‹#›</a:t>
             </a:fld>
             <a:endParaRPr lang="en-US" dirty="0"/>
           </a:p>
@@ -7348,7 +6700,7 @@
             <a:spLocks noGrp="1"/>
           </p:cNvSpPr>
           <p:nvPr>
-            <p:ph type="body" orient="vert" idx="1"/>
+            <p:ph type="body" orient="vert" idx="1" hasCustomPrompt="1"/>
           </p:nvPr>
         </p:nvSpPr>
         <p:spPr/>
@@ -7361,6 +6713,7 @@
               <a:rPr lang="zh-CN" altLang="en-US" smtClean="0"/>
               <a:t>编辑母版文本样式</a:t>
             </a:r>
+            <a:endParaRPr lang="zh-CN" altLang="en-US" smtClean="0"/>
           </a:p>
           <a:p>
             <a:pPr lvl="1"/>
@@ -7368,6 +6721,7 @@
               <a:rPr lang="zh-CN" altLang="en-US" smtClean="0"/>
               <a:t>第二级</a:t>
             </a:r>
+            <a:endParaRPr lang="zh-CN" altLang="en-US" smtClean="0"/>
           </a:p>
           <a:p>
             <a:pPr lvl="2"/>
@@ -7375,6 +6729,7 @@
               <a:rPr lang="zh-CN" altLang="en-US" smtClean="0"/>
               <a:t>第三级</a:t>
             </a:r>
+            <a:endParaRPr lang="zh-CN" altLang="en-US" smtClean="0"/>
           </a:p>
           <a:p>
             <a:pPr lvl="3"/>
@@ -7382,6 +6737,7 @@
               <a:rPr lang="zh-CN" altLang="en-US" smtClean="0"/>
               <a:t>第四级</a:t>
             </a:r>
+            <a:endParaRPr lang="zh-CN" altLang="en-US" smtClean="0"/>
           </a:p>
           <a:p>
             <a:pPr lvl="4"/>
@@ -7410,7 +6766,6 @@
           <a:p>
             <a:fld id="{48A87A34-81AB-432B-8DAE-1953F412C126}" type="datetimeFigureOut">
               <a:rPr lang="en-US" dirty="0"/>
-              <a:t>10/19/2017</a:t>
             </a:fld>
             <a:endParaRPr lang="en-US" dirty="0"/>
           </a:p>
@@ -7452,7 +6807,6 @@
           <a:p>
             <a:fld id="{6D22F896-40B5-4ADD-8801-0D06FADFA095}" type="slidenum">
               <a:rPr lang="en-US" dirty="0"/>
-              <a:t>‹#›</a:t>
             </a:fld>
             <a:endParaRPr lang="en-US" dirty="0"/>
           </a:p>
@@ -7518,7 +6872,7 @@
             <a:spLocks noGrp="1"/>
           </p:cNvSpPr>
           <p:nvPr>
-            <p:ph type="body" orient="vert" idx="1"/>
+            <p:ph type="body" orient="vert" idx="1" hasCustomPrompt="1"/>
           </p:nvPr>
         </p:nvSpPr>
         <p:spPr>
@@ -7536,6 +6890,7 @@
               <a:rPr lang="zh-CN" altLang="en-US" smtClean="0"/>
               <a:t>编辑母版文本样式</a:t>
             </a:r>
+            <a:endParaRPr lang="zh-CN" altLang="en-US" smtClean="0"/>
           </a:p>
           <a:p>
             <a:pPr lvl="1"/>
@@ -7543,6 +6898,7 @@
               <a:rPr lang="zh-CN" altLang="en-US" smtClean="0"/>
               <a:t>第二级</a:t>
             </a:r>
+            <a:endParaRPr lang="zh-CN" altLang="en-US" smtClean="0"/>
           </a:p>
           <a:p>
             <a:pPr lvl="2"/>
@@ -7550,6 +6906,7 @@
               <a:rPr lang="zh-CN" altLang="en-US" smtClean="0"/>
               <a:t>第三级</a:t>
             </a:r>
+            <a:endParaRPr lang="zh-CN" altLang="en-US" smtClean="0"/>
           </a:p>
           <a:p>
             <a:pPr lvl="3"/>
@@ -7557,6 +6914,7 @@
               <a:rPr lang="zh-CN" altLang="en-US" smtClean="0"/>
               <a:t>第四级</a:t>
             </a:r>
+            <a:endParaRPr lang="zh-CN" altLang="en-US" smtClean="0"/>
           </a:p>
           <a:p>
             <a:pPr lvl="4"/>
@@ -7585,7 +6943,6 @@
           <a:p>
             <a:fld id="{48A87A34-81AB-432B-8DAE-1953F412C126}" type="datetimeFigureOut">
               <a:rPr lang="en-US" dirty="0"/>
-              <a:t>10/19/2017</a:t>
             </a:fld>
             <a:endParaRPr lang="en-US" dirty="0"/>
           </a:p>
@@ -7627,7 +6984,6 @@
           <a:p>
             <a:fld id="{6D22F896-40B5-4ADD-8801-0D06FADFA095}" type="slidenum">
               <a:rPr lang="en-US" dirty="0"/>
-              <a:t>‹#›</a:t>
             </a:fld>
             <a:endParaRPr lang="en-US" dirty="0"/>
           </a:p>
@@ -7688,7 +7044,7 @@
             <a:spLocks noGrp="1"/>
           </p:cNvSpPr>
           <p:nvPr>
-            <p:ph idx="1"/>
+            <p:ph idx="1" hasCustomPrompt="1"/>
           </p:nvPr>
         </p:nvSpPr>
         <p:spPr/>
@@ -7701,6 +7057,7 @@
               <a:rPr lang="zh-CN" altLang="en-US" smtClean="0"/>
               <a:t>编辑母版文本样式</a:t>
             </a:r>
+            <a:endParaRPr lang="zh-CN" altLang="en-US" smtClean="0"/>
           </a:p>
           <a:p>
             <a:pPr lvl="1"/>
@@ -7708,6 +7065,7 @@
               <a:rPr lang="zh-CN" altLang="en-US" smtClean="0"/>
               <a:t>第二级</a:t>
             </a:r>
+            <a:endParaRPr lang="zh-CN" altLang="en-US" smtClean="0"/>
           </a:p>
           <a:p>
             <a:pPr lvl="2"/>
@@ -7715,6 +7073,7 @@
               <a:rPr lang="zh-CN" altLang="en-US" smtClean="0"/>
               <a:t>第三级</a:t>
             </a:r>
+            <a:endParaRPr lang="zh-CN" altLang="en-US" smtClean="0"/>
           </a:p>
           <a:p>
             <a:pPr lvl="3"/>
@@ -7722,6 +7081,7 @@
               <a:rPr lang="zh-CN" altLang="en-US" smtClean="0"/>
               <a:t>第四级</a:t>
             </a:r>
+            <a:endParaRPr lang="zh-CN" altLang="en-US" smtClean="0"/>
           </a:p>
           <a:p>
             <a:pPr lvl="4"/>
@@ -7750,7 +7110,6 @@
           <a:p>
             <a:fld id="{48A87A34-81AB-432B-8DAE-1953F412C126}" type="datetimeFigureOut">
               <a:rPr lang="en-US" dirty="0"/>
-              <a:t>10/19/2017</a:t>
             </a:fld>
             <a:endParaRPr lang="en-US" dirty="0"/>
           </a:p>
@@ -7792,7 +7151,6 @@
           <a:p>
             <a:fld id="{6D22F896-40B5-4ADD-8801-0D06FADFA095}" type="slidenum">
               <a:rPr lang="en-US" dirty="0"/>
-              <a:t>‹#›</a:t>
             </a:fld>
             <a:endParaRPr lang="en-US" dirty="0"/>
           </a:p>
@@ -7864,7 +7222,7 @@
             <a:spLocks noGrp="1"/>
           </p:cNvSpPr>
           <p:nvPr>
-            <p:ph type="body" idx="1"/>
+            <p:ph type="body" idx="1" hasCustomPrompt="1"/>
           </p:nvPr>
         </p:nvSpPr>
         <p:spPr>
@@ -7975,6 +7333,7 @@
               <a:rPr lang="zh-CN" altLang="en-US" smtClean="0"/>
               <a:t>编辑母版文本样式</a:t>
             </a:r>
+            <a:endParaRPr lang="zh-CN" altLang="en-US" smtClean="0"/>
           </a:p>
         </p:txBody>
       </p:sp>
@@ -7995,7 +7354,6 @@
           <a:p>
             <a:fld id="{48A87A34-81AB-432B-8DAE-1953F412C126}" type="datetimeFigureOut">
               <a:rPr lang="en-US" dirty="0"/>
-              <a:t>10/19/2017</a:t>
             </a:fld>
             <a:endParaRPr lang="en-US" dirty="0"/>
           </a:p>
@@ -8037,7 +7395,6 @@
           <a:p>
             <a:fld id="{6D22F896-40B5-4ADD-8801-0D06FADFA095}" type="slidenum">
               <a:rPr lang="en-US" dirty="0"/>
-              <a:t>‹#›</a:t>
             </a:fld>
             <a:endParaRPr lang="en-US" dirty="0"/>
           </a:p>
@@ -8098,7 +7455,7 @@
             <a:spLocks noGrp="1"/>
           </p:cNvSpPr>
           <p:nvPr>
-            <p:ph sz="half" idx="1"/>
+            <p:ph sz="half" idx="1" hasCustomPrompt="1"/>
           </p:nvPr>
         </p:nvSpPr>
         <p:spPr>
@@ -8116,6 +7473,7 @@
               <a:rPr lang="zh-CN" altLang="en-US" smtClean="0"/>
               <a:t>编辑母版文本样式</a:t>
             </a:r>
+            <a:endParaRPr lang="zh-CN" altLang="en-US" smtClean="0"/>
           </a:p>
           <a:p>
             <a:pPr lvl="1"/>
@@ -8123,6 +7481,7 @@
               <a:rPr lang="zh-CN" altLang="en-US" smtClean="0"/>
               <a:t>第二级</a:t>
             </a:r>
+            <a:endParaRPr lang="zh-CN" altLang="en-US" smtClean="0"/>
           </a:p>
           <a:p>
             <a:pPr lvl="2"/>
@@ -8130,6 +7489,7 @@
               <a:rPr lang="zh-CN" altLang="en-US" smtClean="0"/>
               <a:t>第三级</a:t>
             </a:r>
+            <a:endParaRPr lang="zh-CN" altLang="en-US" smtClean="0"/>
           </a:p>
           <a:p>
             <a:pPr lvl="3"/>
@@ -8137,6 +7497,7 @@
               <a:rPr lang="zh-CN" altLang="en-US" smtClean="0"/>
               <a:t>第四级</a:t>
             </a:r>
+            <a:endParaRPr lang="zh-CN" altLang="en-US" smtClean="0"/>
           </a:p>
           <a:p>
             <a:pPr lvl="4"/>
@@ -8155,7 +7516,7 @@
             <a:spLocks noGrp="1"/>
           </p:cNvSpPr>
           <p:nvPr>
-            <p:ph sz="half" idx="2"/>
+            <p:ph sz="half" idx="2" hasCustomPrompt="1"/>
           </p:nvPr>
         </p:nvSpPr>
         <p:spPr>
@@ -8173,6 +7534,7 @@
               <a:rPr lang="zh-CN" altLang="en-US" smtClean="0"/>
               <a:t>编辑母版文本样式</a:t>
             </a:r>
+            <a:endParaRPr lang="zh-CN" altLang="en-US" smtClean="0"/>
           </a:p>
           <a:p>
             <a:pPr lvl="1"/>
@@ -8180,6 +7542,7 @@
               <a:rPr lang="zh-CN" altLang="en-US" smtClean="0"/>
               <a:t>第二级</a:t>
             </a:r>
+            <a:endParaRPr lang="zh-CN" altLang="en-US" smtClean="0"/>
           </a:p>
           <a:p>
             <a:pPr lvl="2"/>
@@ -8187,6 +7550,7 @@
               <a:rPr lang="zh-CN" altLang="en-US" smtClean="0"/>
               <a:t>第三级</a:t>
             </a:r>
+            <a:endParaRPr lang="zh-CN" altLang="en-US" smtClean="0"/>
           </a:p>
           <a:p>
             <a:pPr lvl="3"/>
@@ -8194,6 +7558,7 @@
               <a:rPr lang="zh-CN" altLang="en-US" smtClean="0"/>
               <a:t>第四级</a:t>
             </a:r>
+            <a:endParaRPr lang="zh-CN" altLang="en-US" smtClean="0"/>
           </a:p>
           <a:p>
             <a:pPr lvl="4"/>
@@ -8222,7 +7587,6 @@
           <a:p>
             <a:fld id="{48A87A34-81AB-432B-8DAE-1953F412C126}" type="datetimeFigureOut">
               <a:rPr lang="en-US" dirty="0"/>
-              <a:t>10/19/2017</a:t>
             </a:fld>
             <a:endParaRPr lang="en-US" dirty="0"/>
           </a:p>
@@ -8264,7 +7628,6 @@
           <a:p>
             <a:fld id="{6D22F896-40B5-4ADD-8801-0D06FADFA095}" type="slidenum">
               <a:rPr lang="en-US" dirty="0"/>
-              <a:t>‹#›</a:t>
             </a:fld>
             <a:endParaRPr lang="en-US" dirty="0"/>
           </a:p>
@@ -8330,7 +7693,7 @@
             <a:spLocks noGrp="1"/>
           </p:cNvSpPr>
           <p:nvPr>
-            <p:ph type="body" idx="1"/>
+            <p:ph type="body" idx="1" hasCustomPrompt="1"/>
           </p:nvPr>
         </p:nvSpPr>
         <p:spPr>
@@ -8392,6 +7755,7 @@
               <a:rPr lang="zh-CN" altLang="en-US" smtClean="0"/>
               <a:t>编辑母版文本样式</a:t>
             </a:r>
+            <a:endParaRPr lang="zh-CN" altLang="en-US" smtClean="0"/>
           </a:p>
         </p:txBody>
       </p:sp>
@@ -8402,7 +7766,7 @@
             <a:spLocks noGrp="1"/>
           </p:cNvSpPr>
           <p:nvPr>
-            <p:ph sz="half" idx="2"/>
+            <p:ph sz="half" idx="2" hasCustomPrompt="1"/>
           </p:nvPr>
         </p:nvSpPr>
         <p:spPr>
@@ -8420,6 +7784,7 @@
               <a:rPr lang="zh-CN" altLang="en-US" smtClean="0"/>
               <a:t>编辑母版文本样式</a:t>
             </a:r>
+            <a:endParaRPr lang="zh-CN" altLang="en-US" smtClean="0"/>
           </a:p>
           <a:p>
             <a:pPr lvl="1"/>
@@ -8427,6 +7792,7 @@
               <a:rPr lang="zh-CN" altLang="en-US" smtClean="0"/>
               <a:t>第二级</a:t>
             </a:r>
+            <a:endParaRPr lang="zh-CN" altLang="en-US" smtClean="0"/>
           </a:p>
           <a:p>
             <a:pPr lvl="2"/>
@@ -8434,6 +7800,7 @@
               <a:rPr lang="zh-CN" altLang="en-US" smtClean="0"/>
               <a:t>第三级</a:t>
             </a:r>
+            <a:endParaRPr lang="zh-CN" altLang="en-US" smtClean="0"/>
           </a:p>
           <a:p>
             <a:pPr lvl="3"/>
@@ -8441,6 +7808,7 @@
               <a:rPr lang="zh-CN" altLang="en-US" smtClean="0"/>
               <a:t>第四级</a:t>
             </a:r>
+            <a:endParaRPr lang="zh-CN" altLang="en-US" smtClean="0"/>
           </a:p>
           <a:p>
             <a:pPr lvl="4"/>
@@ -8459,7 +7827,7 @@
             <a:spLocks noGrp="1"/>
           </p:cNvSpPr>
           <p:nvPr>
-            <p:ph type="body" sz="quarter" idx="3"/>
+            <p:ph type="body" sz="quarter" idx="3" hasCustomPrompt="1"/>
           </p:nvPr>
         </p:nvSpPr>
         <p:spPr>
@@ -8521,6 +7889,7 @@
               <a:rPr lang="zh-CN" altLang="en-US" smtClean="0"/>
               <a:t>编辑母版文本样式</a:t>
             </a:r>
+            <a:endParaRPr lang="zh-CN" altLang="en-US" smtClean="0"/>
           </a:p>
         </p:txBody>
       </p:sp>
@@ -8531,7 +7900,7 @@
             <a:spLocks noGrp="1"/>
           </p:cNvSpPr>
           <p:nvPr>
-            <p:ph sz="quarter" idx="4"/>
+            <p:ph sz="quarter" idx="4" hasCustomPrompt="1"/>
           </p:nvPr>
         </p:nvSpPr>
         <p:spPr>
@@ -8549,6 +7918,7 @@
               <a:rPr lang="zh-CN" altLang="en-US" smtClean="0"/>
               <a:t>编辑母版文本样式</a:t>
             </a:r>
+            <a:endParaRPr lang="zh-CN" altLang="en-US" smtClean="0"/>
           </a:p>
           <a:p>
             <a:pPr lvl="1"/>
@@ -8556,6 +7926,7 @@
               <a:rPr lang="zh-CN" altLang="en-US" smtClean="0"/>
               <a:t>第二级</a:t>
             </a:r>
+            <a:endParaRPr lang="zh-CN" altLang="en-US" smtClean="0"/>
           </a:p>
           <a:p>
             <a:pPr lvl="2"/>
@@ -8563,6 +7934,7 @@
               <a:rPr lang="zh-CN" altLang="en-US" smtClean="0"/>
               <a:t>第三级</a:t>
             </a:r>
+            <a:endParaRPr lang="zh-CN" altLang="en-US" smtClean="0"/>
           </a:p>
           <a:p>
             <a:pPr lvl="3"/>
@@ -8570,6 +7942,7 @@
               <a:rPr lang="zh-CN" altLang="en-US" smtClean="0"/>
               <a:t>第四级</a:t>
             </a:r>
+            <a:endParaRPr lang="zh-CN" altLang="en-US" smtClean="0"/>
           </a:p>
           <a:p>
             <a:pPr lvl="4"/>
@@ -8598,7 +7971,6 @@
           <a:p>
             <a:fld id="{48A87A34-81AB-432B-8DAE-1953F412C126}" type="datetimeFigureOut">
               <a:rPr lang="en-US" dirty="0"/>
-              <a:t>10/19/2017</a:t>
             </a:fld>
             <a:endParaRPr lang="en-US" dirty="0"/>
           </a:p>
@@ -8640,7 +8012,6 @@
           <a:p>
             <a:fld id="{6D22F896-40B5-4ADD-8801-0D06FADFA095}" type="slidenum">
               <a:rPr lang="en-US" dirty="0"/>
-              <a:t>‹#›</a:t>
             </a:fld>
             <a:endParaRPr lang="en-US" dirty="0"/>
           </a:p>
@@ -8711,7 +8082,6 @@
           <a:p>
             <a:fld id="{48A87A34-81AB-432B-8DAE-1953F412C126}" type="datetimeFigureOut">
               <a:rPr lang="en-US" dirty="0"/>
-              <a:t>10/19/2017</a:t>
             </a:fld>
             <a:endParaRPr lang="en-US" dirty="0"/>
           </a:p>
@@ -8753,7 +8123,6 @@
           <a:p>
             <a:fld id="{6D22F896-40B5-4ADD-8801-0D06FADFA095}" type="slidenum">
               <a:rPr lang="en-US" dirty="0"/>
-              <a:t>‹#›</a:t>
             </a:fld>
             <a:endParaRPr lang="en-US" dirty="0"/>
           </a:p>
@@ -8801,7 +8170,6 @@
           <a:p>
             <a:fld id="{48A87A34-81AB-432B-8DAE-1953F412C126}" type="datetimeFigureOut">
               <a:rPr lang="en-US" dirty="0"/>
-              <a:t>10/19/2017</a:t>
             </a:fld>
             <a:endParaRPr lang="en-US" dirty="0"/>
           </a:p>
@@ -8843,7 +8211,6 @@
           <a:p>
             <a:fld id="{6D22F896-40B5-4ADD-8801-0D06FADFA095}" type="slidenum">
               <a:rPr lang="en-US" dirty="0"/>
-              <a:t>‹#›</a:t>
             </a:fld>
             <a:endParaRPr lang="en-US" dirty="0"/>
           </a:p>
@@ -8913,7 +8280,7 @@
             <a:spLocks noGrp="1"/>
           </p:cNvSpPr>
           <p:nvPr>
-            <p:ph idx="1"/>
+            <p:ph idx="1" hasCustomPrompt="1"/>
           </p:nvPr>
         </p:nvSpPr>
         <p:spPr>
@@ -8931,6 +8298,7 @@
               <a:rPr lang="zh-CN" altLang="en-US" smtClean="0"/>
               <a:t>编辑母版文本样式</a:t>
             </a:r>
+            <a:endParaRPr lang="zh-CN" altLang="en-US" smtClean="0"/>
           </a:p>
           <a:p>
             <a:pPr lvl="1"/>
@@ -8938,6 +8306,7 @@
               <a:rPr lang="zh-CN" altLang="en-US" smtClean="0"/>
               <a:t>第二级</a:t>
             </a:r>
+            <a:endParaRPr lang="zh-CN" altLang="en-US" smtClean="0"/>
           </a:p>
           <a:p>
             <a:pPr lvl="2"/>
@@ -8945,6 +8314,7 @@
               <a:rPr lang="zh-CN" altLang="en-US" smtClean="0"/>
               <a:t>第三级</a:t>
             </a:r>
+            <a:endParaRPr lang="zh-CN" altLang="en-US" smtClean="0"/>
           </a:p>
           <a:p>
             <a:pPr lvl="3"/>
@@ -8952,6 +8322,7 @@
               <a:rPr lang="zh-CN" altLang="en-US" smtClean="0"/>
               <a:t>第四级</a:t>
             </a:r>
+            <a:endParaRPr lang="zh-CN" altLang="en-US" smtClean="0"/>
           </a:p>
           <a:p>
             <a:pPr lvl="4"/>
@@ -8970,7 +8341,7 @@
             <a:spLocks noGrp="1"/>
           </p:cNvSpPr>
           <p:nvPr>
-            <p:ph type="body" sz="half" idx="2"/>
+            <p:ph type="body" sz="half" idx="2" hasCustomPrompt="1"/>
           </p:nvPr>
         </p:nvSpPr>
         <p:spPr>
@@ -9025,6 +8396,7 @@
               <a:rPr lang="zh-CN" altLang="en-US" smtClean="0"/>
               <a:t>编辑母版文本样式</a:t>
             </a:r>
+            <a:endParaRPr lang="zh-CN" altLang="en-US" smtClean="0"/>
           </a:p>
         </p:txBody>
       </p:sp>
@@ -9045,7 +8417,6 @@
           <a:p>
             <a:fld id="{48A87A34-81AB-432B-8DAE-1953F412C126}" type="datetimeFigureOut">
               <a:rPr lang="en-US" dirty="0"/>
-              <a:t>10/19/2017</a:t>
             </a:fld>
             <a:endParaRPr lang="en-US" dirty="0"/>
           </a:p>
@@ -9087,7 +8458,6 @@
           <a:p>
             <a:fld id="{6D22F896-40B5-4ADD-8801-0D06FADFA095}" type="slidenum">
               <a:rPr lang="en-US" dirty="0"/>
-              <a:t>‹#›</a:t>
             </a:fld>
             <a:endParaRPr lang="en-US" dirty="0"/>
           </a:p>
@@ -9245,7 +8615,7 @@
             <a:spLocks noGrp="1"/>
           </p:cNvSpPr>
           <p:nvPr>
-            <p:ph type="body" sz="half" idx="2"/>
+            <p:ph type="body" sz="half" idx="2" hasCustomPrompt="1"/>
           </p:nvPr>
         </p:nvSpPr>
         <p:spPr>
@@ -9300,6 +8670,7 @@
               <a:rPr lang="zh-CN" altLang="en-US" smtClean="0"/>
               <a:t>编辑母版文本样式</a:t>
             </a:r>
+            <a:endParaRPr lang="zh-CN" altLang="en-US" smtClean="0"/>
           </a:p>
         </p:txBody>
       </p:sp>
@@ -9320,7 +8691,6 @@
           <a:p>
             <a:fld id="{48A87A34-81AB-432B-8DAE-1953F412C126}" type="datetimeFigureOut">
               <a:rPr lang="en-US" dirty="0"/>
-              <a:t>10/19/2017</a:t>
             </a:fld>
             <a:endParaRPr lang="en-US" dirty="0"/>
           </a:p>
@@ -9362,7 +8732,6 @@
           <a:p>
             <a:fld id="{6D22F896-40B5-4ADD-8801-0D06FADFA095}" type="slidenum">
               <a:rPr lang="en-US" dirty="0"/>
-              <a:t>‹#›</a:t>
             </a:fld>
             <a:endParaRPr lang="en-US" dirty="0"/>
           </a:p>
@@ -9407,7 +8776,7 @@
           <p:nvPr/>
         </p:nvPicPr>
         <p:blipFill>
-          <a:blip r:embed="rId19">
+          <a:blip r:embed="rId18">
             <a:alphaModFix amt="30000"/>
             <a:extLst>
               <a:ext uri="{28A0092B-C50C-407E-A947-70E740481C1C}">
@@ -9429,15 +8798,6 @@
             <a:avLst/>
           </a:prstGeom>
           <a:noFill/>
-          <a:extLst>
-            <a:ext uri="{909E8E84-426E-40dd-AFC4-6F175D3DCCD1}">
-              <a14:hiddenFill xmlns:a14="http://schemas.microsoft.com/office/drawing/2010/main" xmlns="">
-                <a:solidFill>
-                  <a:srgbClr val="FFFFFF"/>
-                </a:solidFill>
-              </a14:hiddenFill>
-            </a:ext>
-          </a:extLst>
         </p:spPr>
       </p:pic>
       <p:grpSp>
@@ -9503,18 +8863,6 @@
               <a:ln>
                 <a:noFill/>
               </a:ln>
-              <a:extLst>
-                <a:ext uri="{91240B29-F687-4f45-9708-019B960494DF}">
-                  <a14:hiddenLine xmlns:a14="http://schemas.microsoft.com/office/drawing/2010/main" xmlns="" w="9525">
-                    <a:solidFill>
-                      <a:srgbClr val="000000"/>
-                    </a:solidFill>
-                    <a:miter lim="800000"/>
-                    <a:headEnd/>
-                    <a:tailEnd/>
-                  </a14:hiddenLine>
-                </a:ext>
-              </a:extLst>
             </p:spPr>
           </p:sp>
           <p:sp>
@@ -9593,18 +8941,6 @@
               <a:ln>
                 <a:noFill/>
               </a:ln>
-              <a:extLst>
-                <a:ext uri="{91240B29-F687-4f45-9708-019B960494DF}">
-                  <a14:hiddenLine xmlns:a14="http://schemas.microsoft.com/office/drawing/2010/main" xmlns="" w="9525">
-                    <a:solidFill>
-                      <a:srgbClr val="000000"/>
-                    </a:solidFill>
-                    <a:round/>
-                    <a:headEnd/>
-                    <a:tailEnd/>
-                  </a14:hiddenLine>
-                </a:ext>
-              </a:extLst>
             </p:spPr>
           </p:sp>
           <p:sp>
@@ -9683,18 +9019,6 @@
               <a:ln>
                 <a:noFill/>
               </a:ln>
-              <a:extLst>
-                <a:ext uri="{91240B29-F687-4f45-9708-019B960494DF}">
-                  <a14:hiddenLine xmlns:a14="http://schemas.microsoft.com/office/drawing/2010/main" xmlns="" w="9525">
-                    <a:solidFill>
-                      <a:srgbClr val="000000"/>
-                    </a:solidFill>
-                    <a:round/>
-                    <a:headEnd/>
-                    <a:tailEnd/>
-                  </a14:hiddenLine>
-                </a:ext>
-              </a:extLst>
             </p:spPr>
           </p:sp>
           <p:sp>
@@ -9745,18 +9069,6 @@
               <a:ln>
                 <a:noFill/>
               </a:ln>
-              <a:extLst>
-                <a:ext uri="{91240B29-F687-4f45-9708-019B960494DF}">
-                  <a14:hiddenLine xmlns:a14="http://schemas.microsoft.com/office/drawing/2010/main" xmlns="" w="9525">
-                    <a:solidFill>
-                      <a:srgbClr val="000000"/>
-                    </a:solidFill>
-                    <a:round/>
-                    <a:headEnd/>
-                    <a:tailEnd/>
-                  </a14:hiddenLine>
-                </a:ext>
-              </a:extLst>
             </p:spPr>
           </p:sp>
           <p:sp>
@@ -9835,18 +9147,6 @@
               <a:ln>
                 <a:noFill/>
               </a:ln>
-              <a:extLst>
-                <a:ext uri="{91240B29-F687-4f45-9708-019B960494DF}">
-                  <a14:hiddenLine xmlns:a14="http://schemas.microsoft.com/office/drawing/2010/main" xmlns="" w="9525">
-                    <a:solidFill>
-                      <a:srgbClr val="000000"/>
-                    </a:solidFill>
-                    <a:round/>
-                    <a:headEnd/>
-                    <a:tailEnd/>
-                  </a14:hiddenLine>
-                </a:ext>
-              </a:extLst>
             </p:spPr>
           </p:sp>
           <p:sp>
@@ -9897,18 +9197,6 @@
               <a:ln>
                 <a:noFill/>
               </a:ln>
-              <a:extLst>
-                <a:ext uri="{91240B29-F687-4f45-9708-019B960494DF}">
-                  <a14:hiddenLine xmlns:a14="http://schemas.microsoft.com/office/drawing/2010/main" xmlns="" w="9525">
-                    <a:solidFill>
-                      <a:srgbClr val="000000"/>
-                    </a:solidFill>
-                    <a:round/>
-                    <a:headEnd/>
-                    <a:tailEnd/>
-                  </a14:hiddenLine>
-                </a:ext>
-              </a:extLst>
             </p:spPr>
           </p:sp>
           <p:sp>
@@ -9959,18 +9247,6 @@
               <a:ln>
                 <a:noFill/>
               </a:ln>
-              <a:extLst>
-                <a:ext uri="{91240B29-F687-4f45-9708-019B960494DF}">
-                  <a14:hiddenLine xmlns:a14="http://schemas.microsoft.com/office/drawing/2010/main" xmlns="" w="9525">
-                    <a:solidFill>
-                      <a:srgbClr val="000000"/>
-                    </a:solidFill>
-                    <a:round/>
-                    <a:headEnd/>
-                    <a:tailEnd/>
-                  </a14:hiddenLine>
-                </a:ext>
-              </a:extLst>
             </p:spPr>
           </p:sp>
           <p:sp>
@@ -10049,18 +9325,6 @@
               <a:ln>
                 <a:noFill/>
               </a:ln>
-              <a:extLst>
-                <a:ext uri="{91240B29-F687-4f45-9708-019B960494DF}">
-                  <a14:hiddenLine xmlns:a14="http://schemas.microsoft.com/office/drawing/2010/main" xmlns="" w="9525">
-                    <a:solidFill>
-                      <a:srgbClr val="000000"/>
-                    </a:solidFill>
-                    <a:round/>
-                    <a:headEnd/>
-                    <a:tailEnd/>
-                  </a14:hiddenLine>
-                </a:ext>
-              </a:extLst>
             </p:spPr>
           </p:sp>
           <p:sp>
@@ -10139,18 +9403,6 @@
               <a:ln>
                 <a:noFill/>
               </a:ln>
-              <a:extLst>
-                <a:ext uri="{91240B29-F687-4f45-9708-019B960494DF}">
-                  <a14:hiddenLine xmlns:a14="http://schemas.microsoft.com/office/drawing/2010/main" xmlns="" w="9525">
-                    <a:solidFill>
-                      <a:srgbClr val="000000"/>
-                    </a:solidFill>
-                    <a:round/>
-                    <a:headEnd/>
-                    <a:tailEnd/>
-                  </a14:hiddenLine>
-                </a:ext>
-              </a:extLst>
             </p:spPr>
           </p:sp>
           <p:sp>
@@ -10201,18 +9453,6 @@
               <a:ln>
                 <a:noFill/>
               </a:ln>
-              <a:extLst>
-                <a:ext uri="{91240B29-F687-4f45-9708-019B960494DF}">
-                  <a14:hiddenLine xmlns:a14="http://schemas.microsoft.com/office/drawing/2010/main" xmlns="" w="9525">
-                    <a:solidFill>
-                      <a:srgbClr val="000000"/>
-                    </a:solidFill>
-                    <a:round/>
-                    <a:headEnd/>
-                    <a:tailEnd/>
-                  </a14:hiddenLine>
-                </a:ext>
-              </a:extLst>
             </p:spPr>
           </p:sp>
           <p:sp>
@@ -10311,18 +9551,6 @@
               <a:ln>
                 <a:noFill/>
               </a:ln>
-              <a:extLst>
-                <a:ext uri="{91240B29-F687-4f45-9708-019B960494DF}">
-                  <a14:hiddenLine xmlns:a14="http://schemas.microsoft.com/office/drawing/2010/main" xmlns="" w="9525">
-                    <a:solidFill>
-                      <a:srgbClr val="000000"/>
-                    </a:solidFill>
-                    <a:round/>
-                    <a:headEnd/>
-                    <a:tailEnd/>
-                  </a14:hiddenLine>
-                </a:ext>
-              </a:extLst>
             </p:spPr>
           </p:sp>
           <p:sp>
@@ -10348,8 +9576,6 @@
                 </a:solidFill>
                 <a:prstDash val="solid"/>
                 <a:miter lim="800000"/>
-                <a:headEnd/>
-                <a:tailEnd/>
               </a:ln>
             </p:spPr>
           </p:sp>
@@ -10395,18 +9621,6 @@
               <a:ln>
                 <a:noFill/>
               </a:ln>
-              <a:extLst>
-                <a:ext uri="{91240B29-F687-4f45-9708-019B960494DF}">
-                  <a14:hiddenLine xmlns:a14="http://schemas.microsoft.com/office/drawing/2010/main" xmlns="" w="9525">
-                    <a:solidFill>
-                      <a:srgbClr val="000000"/>
-                    </a:solidFill>
-                    <a:round/>
-                    <a:headEnd/>
-                    <a:tailEnd/>
-                  </a14:hiddenLine>
-                </a:ext>
-              </a:extLst>
             </p:spPr>
           </p:sp>
           <p:sp>
@@ -10457,18 +9671,6 @@
               <a:ln>
                 <a:noFill/>
               </a:ln>
-              <a:extLst>
-                <a:ext uri="{91240B29-F687-4f45-9708-019B960494DF}">
-                  <a14:hiddenLine xmlns:a14="http://schemas.microsoft.com/office/drawing/2010/main" xmlns="" w="9525">
-                    <a:solidFill>
-                      <a:srgbClr val="000000"/>
-                    </a:solidFill>
-                    <a:round/>
-                    <a:headEnd/>
-                    <a:tailEnd/>
-                  </a14:hiddenLine>
-                </a:ext>
-              </a:extLst>
             </p:spPr>
           </p:sp>
           <p:sp>
@@ -10519,18 +9721,6 @@
               <a:ln>
                 <a:noFill/>
               </a:ln>
-              <a:extLst>
-                <a:ext uri="{91240B29-F687-4f45-9708-019B960494DF}">
-                  <a14:hiddenLine xmlns:a14="http://schemas.microsoft.com/office/drawing/2010/main" xmlns="" w="9525">
-                    <a:solidFill>
-                      <a:srgbClr val="000000"/>
-                    </a:solidFill>
-                    <a:round/>
-                    <a:headEnd/>
-                    <a:tailEnd/>
-                  </a14:hiddenLine>
-                </a:ext>
-              </a:extLst>
             </p:spPr>
           </p:sp>
           <p:sp>
@@ -10609,18 +9799,6 @@
               <a:ln>
                 <a:noFill/>
               </a:ln>
-              <a:extLst>
-                <a:ext uri="{91240B29-F687-4f45-9708-019B960494DF}">
-                  <a14:hiddenLine xmlns:a14="http://schemas.microsoft.com/office/drawing/2010/main" xmlns="" w="9525">
-                    <a:solidFill>
-                      <a:srgbClr val="000000"/>
-                    </a:solidFill>
-                    <a:round/>
-                    <a:headEnd/>
-                    <a:tailEnd/>
-                  </a14:hiddenLine>
-                </a:ext>
-              </a:extLst>
             </p:spPr>
           </p:sp>
           <p:sp>
@@ -10643,18 +9821,6 @@
               <a:ln>
                 <a:noFill/>
               </a:ln>
-              <a:extLst>
-                <a:ext uri="{91240B29-F687-4f45-9708-019B960494DF}">
-                  <a14:hiddenLine xmlns:a14="http://schemas.microsoft.com/office/drawing/2010/main" xmlns="" w="9525">
-                    <a:solidFill>
-                      <a:srgbClr val="000000"/>
-                    </a:solidFill>
-                    <a:miter lim="800000"/>
-                    <a:headEnd/>
-                    <a:tailEnd/>
-                  </a14:hiddenLine>
-                </a:ext>
-              </a:extLst>
             </p:spPr>
           </p:sp>
           <p:sp>
@@ -10708,18 +9874,6 @@
               <a:ln>
                 <a:noFill/>
               </a:ln>
-              <a:extLst>
-                <a:ext uri="{91240B29-F687-4f45-9708-019B960494DF}">
-                  <a14:hiddenLine xmlns:a14="http://schemas.microsoft.com/office/drawing/2010/main" xmlns="" w="9525">
-                    <a:solidFill>
-                      <a:srgbClr val="000000"/>
-                    </a:solidFill>
-                    <a:round/>
-                    <a:headEnd/>
-                    <a:tailEnd/>
-                  </a14:hiddenLine>
-                </a:ext>
-              </a:extLst>
             </p:spPr>
           </p:sp>
           <p:sp>
@@ -10798,18 +9952,6 @@
               <a:ln>
                 <a:noFill/>
               </a:ln>
-              <a:extLst>
-                <a:ext uri="{91240B29-F687-4f45-9708-019B960494DF}">
-                  <a14:hiddenLine xmlns:a14="http://schemas.microsoft.com/office/drawing/2010/main" xmlns="" w="9525">
-                    <a:solidFill>
-                      <a:srgbClr val="000000"/>
-                    </a:solidFill>
-                    <a:round/>
-                    <a:headEnd/>
-                    <a:tailEnd/>
-                  </a14:hiddenLine>
-                </a:ext>
-              </a:extLst>
             </p:spPr>
           </p:sp>
           <p:sp>
@@ -10860,18 +10002,6 @@
               <a:ln>
                 <a:noFill/>
               </a:ln>
-              <a:extLst>
-                <a:ext uri="{91240B29-F687-4f45-9708-019B960494DF}">
-                  <a14:hiddenLine xmlns:a14="http://schemas.microsoft.com/office/drawing/2010/main" xmlns="" w="9525">
-                    <a:solidFill>
-                      <a:srgbClr val="000000"/>
-                    </a:solidFill>
-                    <a:round/>
-                    <a:headEnd/>
-                    <a:tailEnd/>
-                  </a14:hiddenLine>
-                </a:ext>
-              </a:extLst>
             </p:spPr>
           </p:sp>
           <p:sp>
@@ -10950,18 +10080,6 @@
               <a:ln>
                 <a:noFill/>
               </a:ln>
-              <a:extLst>
-                <a:ext uri="{91240B29-F687-4f45-9708-019B960494DF}">
-                  <a14:hiddenLine xmlns:a14="http://schemas.microsoft.com/office/drawing/2010/main" xmlns="" w="9525">
-                    <a:solidFill>
-                      <a:srgbClr val="000000"/>
-                    </a:solidFill>
-                    <a:round/>
-                    <a:headEnd/>
-                    <a:tailEnd/>
-                  </a14:hiddenLine>
-                </a:ext>
-              </a:extLst>
             </p:spPr>
           </p:sp>
           <p:sp>
@@ -11015,18 +10133,6 @@
               <a:ln>
                 <a:noFill/>
               </a:ln>
-              <a:extLst>
-                <a:ext uri="{91240B29-F687-4f45-9708-019B960494DF}">
-                  <a14:hiddenLine xmlns:a14="http://schemas.microsoft.com/office/drawing/2010/main" xmlns="" w="9525">
-                    <a:solidFill>
-                      <a:srgbClr val="000000"/>
-                    </a:solidFill>
-                    <a:round/>
-                    <a:headEnd/>
-                    <a:tailEnd/>
-                  </a14:hiddenLine>
-                </a:ext>
-              </a:extLst>
             </p:spPr>
           </p:sp>
           <p:sp>
@@ -11077,18 +10183,6 @@
               <a:ln>
                 <a:noFill/>
               </a:ln>
-              <a:extLst>
-                <a:ext uri="{91240B29-F687-4f45-9708-019B960494DF}">
-                  <a14:hiddenLine xmlns:a14="http://schemas.microsoft.com/office/drawing/2010/main" xmlns="" w="9525">
-                    <a:solidFill>
-                      <a:srgbClr val="000000"/>
-                    </a:solidFill>
-                    <a:round/>
-                    <a:headEnd/>
-                    <a:tailEnd/>
-                  </a14:hiddenLine>
-                </a:ext>
-              </a:extLst>
             </p:spPr>
           </p:sp>
           <p:sp>
@@ -11167,18 +10261,6 @@
               <a:ln>
                 <a:noFill/>
               </a:ln>
-              <a:extLst>
-                <a:ext uri="{91240B29-F687-4f45-9708-019B960494DF}">
-                  <a14:hiddenLine xmlns:a14="http://schemas.microsoft.com/office/drawing/2010/main" xmlns="" w="9525">
-                    <a:solidFill>
-                      <a:srgbClr val="000000"/>
-                    </a:solidFill>
-                    <a:round/>
-                    <a:headEnd/>
-                    <a:tailEnd/>
-                  </a14:hiddenLine>
-                </a:ext>
-              </a:extLst>
             </p:spPr>
           </p:sp>
           <p:sp>
@@ -11257,18 +10339,6 @@
               <a:ln>
                 <a:noFill/>
               </a:ln>
-              <a:extLst>
-                <a:ext uri="{91240B29-F687-4f45-9708-019B960494DF}">
-                  <a14:hiddenLine xmlns:a14="http://schemas.microsoft.com/office/drawing/2010/main" xmlns="" w="9525">
-                    <a:solidFill>
-                      <a:srgbClr val="000000"/>
-                    </a:solidFill>
-                    <a:round/>
-                    <a:headEnd/>
-                    <a:tailEnd/>
-                  </a14:hiddenLine>
-                </a:ext>
-              </a:extLst>
             </p:spPr>
           </p:sp>
           <p:sp>
@@ -11322,18 +10392,6 @@
               <a:ln>
                 <a:noFill/>
               </a:ln>
-              <a:extLst>
-                <a:ext uri="{91240B29-F687-4f45-9708-019B960494DF}">
-                  <a14:hiddenLine xmlns:a14="http://schemas.microsoft.com/office/drawing/2010/main" xmlns="" w="9525">
-                    <a:solidFill>
-                      <a:srgbClr val="000000"/>
-                    </a:solidFill>
-                    <a:round/>
-                    <a:headEnd/>
-                    <a:tailEnd/>
-                  </a14:hiddenLine>
-                </a:ext>
-              </a:extLst>
             </p:spPr>
           </p:sp>
           <p:sp>
@@ -11442,18 +10500,6 @@
               <a:ln>
                 <a:noFill/>
               </a:ln>
-              <a:extLst>
-                <a:ext uri="{91240B29-F687-4f45-9708-019B960494DF}">
-                  <a14:hiddenLine xmlns:a14="http://schemas.microsoft.com/office/drawing/2010/main" xmlns="" w="9525">
-                    <a:solidFill>
-                      <a:srgbClr val="000000"/>
-                    </a:solidFill>
-                    <a:round/>
-                    <a:headEnd/>
-                    <a:tailEnd/>
-                  </a14:hiddenLine>
-                </a:ext>
-              </a:extLst>
             </p:spPr>
           </p:sp>
         </p:grpSp>
@@ -11540,18 +10586,6 @@
               <a:ln>
                 <a:noFill/>
               </a:ln>
-              <a:extLst>
-                <a:ext uri="{91240B29-F687-4f45-9708-019B960494DF}">
-                  <a14:hiddenLine xmlns:a14="http://schemas.microsoft.com/office/drawing/2010/main" xmlns="" w="9525">
-                    <a:solidFill>
-                      <a:srgbClr val="000000"/>
-                    </a:solidFill>
-                    <a:round/>
-                    <a:headEnd/>
-                    <a:tailEnd/>
-                  </a14:hiddenLine>
-                </a:ext>
-              </a:extLst>
             </p:spPr>
           </p:sp>
           <p:sp>
@@ -11655,18 +10689,6 @@
               <a:ln>
                 <a:noFill/>
               </a:ln>
-              <a:extLst>
-                <a:ext uri="{91240B29-F687-4f45-9708-019B960494DF}">
-                  <a14:hiddenLine xmlns:a14="http://schemas.microsoft.com/office/drawing/2010/main" xmlns="" w="9525">
-                    <a:solidFill>
-                      <a:srgbClr val="000000"/>
-                    </a:solidFill>
-                    <a:round/>
-                    <a:headEnd/>
-                    <a:tailEnd/>
-                  </a14:hiddenLine>
-                </a:ext>
-              </a:extLst>
             </p:spPr>
           </p:sp>
           <p:sp>
@@ -11745,18 +10767,6 @@
               <a:ln>
                 <a:noFill/>
               </a:ln>
-              <a:extLst>
-                <a:ext uri="{91240B29-F687-4f45-9708-019B960494DF}">
-                  <a14:hiddenLine xmlns:a14="http://schemas.microsoft.com/office/drawing/2010/main" xmlns="" w="9525">
-                    <a:solidFill>
-                      <a:srgbClr val="000000"/>
-                    </a:solidFill>
-                    <a:round/>
-                    <a:headEnd/>
-                    <a:tailEnd/>
-                  </a14:hiddenLine>
-                </a:ext>
-              </a:extLst>
             </p:spPr>
           </p:sp>
           <p:sp>
@@ -11810,18 +10820,6 @@
               <a:ln>
                 <a:noFill/>
               </a:ln>
-              <a:extLst>
-                <a:ext uri="{91240B29-F687-4f45-9708-019B960494DF}">
-                  <a14:hiddenLine xmlns:a14="http://schemas.microsoft.com/office/drawing/2010/main" xmlns="" w="9525">
-                    <a:solidFill>
-                      <a:srgbClr val="000000"/>
-                    </a:solidFill>
-                    <a:round/>
-                    <a:headEnd/>
-                    <a:tailEnd/>
-                  </a14:hiddenLine>
-                </a:ext>
-              </a:extLst>
             </p:spPr>
           </p:sp>
           <p:sp>
@@ -11900,18 +10898,6 @@
               <a:ln>
                 <a:noFill/>
               </a:ln>
-              <a:extLst>
-                <a:ext uri="{91240B29-F687-4f45-9708-019B960494DF}">
-                  <a14:hiddenLine xmlns:a14="http://schemas.microsoft.com/office/drawing/2010/main" xmlns="" w="9525">
-                    <a:solidFill>
-                      <a:srgbClr val="000000"/>
-                    </a:solidFill>
-                    <a:round/>
-                    <a:headEnd/>
-                    <a:tailEnd/>
-                  </a14:hiddenLine>
-                </a:ext>
-              </a:extLst>
             </p:spPr>
           </p:sp>
           <p:sp>
@@ -11968,18 +10954,6 @@
               <a:ln>
                 <a:noFill/>
               </a:ln>
-              <a:extLst>
-                <a:ext uri="{91240B29-F687-4f45-9708-019B960494DF}">
-                  <a14:hiddenLine xmlns:a14="http://schemas.microsoft.com/office/drawing/2010/main" xmlns="" w="9525">
-                    <a:solidFill>
-                      <a:srgbClr val="000000"/>
-                    </a:solidFill>
-                    <a:round/>
-                    <a:headEnd/>
-                    <a:tailEnd/>
-                  </a14:hiddenLine>
-                </a:ext>
-              </a:extLst>
             </p:spPr>
           </p:sp>
           <p:sp>
@@ -12058,18 +11032,6 @@
               <a:ln>
                 <a:noFill/>
               </a:ln>
-              <a:extLst>
-                <a:ext uri="{91240B29-F687-4f45-9708-019B960494DF}">
-                  <a14:hiddenLine xmlns:a14="http://schemas.microsoft.com/office/drawing/2010/main" xmlns="" w="9525">
-                    <a:solidFill>
-                      <a:srgbClr val="000000"/>
-                    </a:solidFill>
-                    <a:round/>
-                    <a:headEnd/>
-                    <a:tailEnd/>
-                  </a14:hiddenLine>
-                </a:ext>
-              </a:extLst>
             </p:spPr>
           </p:sp>
           <p:sp>
@@ -12126,18 +11088,6 @@
               <a:ln>
                 <a:noFill/>
               </a:ln>
-              <a:extLst>
-                <a:ext uri="{91240B29-F687-4f45-9708-019B960494DF}">
-                  <a14:hiddenLine xmlns:a14="http://schemas.microsoft.com/office/drawing/2010/main" xmlns="" w="9525">
-                    <a:solidFill>
-                      <a:srgbClr val="000000"/>
-                    </a:solidFill>
-                    <a:round/>
-                    <a:headEnd/>
-                    <a:tailEnd/>
-                  </a14:hiddenLine>
-                </a:ext>
-              </a:extLst>
             </p:spPr>
           </p:sp>
           <p:sp>
@@ -12216,18 +11166,6 @@
               <a:ln>
                 <a:noFill/>
               </a:ln>
-              <a:extLst>
-                <a:ext uri="{91240B29-F687-4f45-9708-019B960494DF}">
-                  <a14:hiddenLine xmlns:a14="http://schemas.microsoft.com/office/drawing/2010/main" xmlns="" w="9525">
-                    <a:solidFill>
-                      <a:srgbClr val="000000"/>
-                    </a:solidFill>
-                    <a:round/>
-                    <a:headEnd/>
-                    <a:tailEnd/>
-                  </a14:hiddenLine>
-                </a:ext>
-              </a:extLst>
             </p:spPr>
           </p:sp>
           <p:sp>
@@ -12250,18 +11188,6 @@
               <a:ln>
                 <a:noFill/>
               </a:ln>
-              <a:extLst>
-                <a:ext uri="{91240B29-F687-4f45-9708-019B960494DF}">
-                  <a14:hiddenLine xmlns:a14="http://schemas.microsoft.com/office/drawing/2010/main" xmlns="" w="9525">
-                    <a:solidFill>
-                      <a:srgbClr val="000000"/>
-                    </a:solidFill>
-                    <a:miter lim="800000"/>
-                    <a:headEnd/>
-                    <a:tailEnd/>
-                  </a14:hiddenLine>
-                </a:ext>
-              </a:extLst>
             </p:spPr>
           </p:sp>
         </p:grpSp>
@@ -12325,6 +11251,7 @@
               <a:rPr lang="zh-CN" altLang="en-US" smtClean="0"/>
               <a:t>编辑母版文本样式</a:t>
             </a:r>
+            <a:endParaRPr lang="zh-CN" altLang="en-US" smtClean="0"/>
           </a:p>
           <a:p>
             <a:pPr lvl="1"/>
@@ -12332,6 +11259,7 @@
               <a:rPr lang="zh-CN" altLang="en-US" smtClean="0"/>
               <a:t>第二级</a:t>
             </a:r>
+            <a:endParaRPr lang="zh-CN" altLang="en-US" smtClean="0"/>
           </a:p>
           <a:p>
             <a:pPr lvl="2"/>
@@ -12339,6 +11267,7 @@
               <a:rPr lang="zh-CN" altLang="en-US" smtClean="0"/>
               <a:t>第三级</a:t>
             </a:r>
+            <a:endParaRPr lang="zh-CN" altLang="en-US" smtClean="0"/>
           </a:p>
           <a:p>
             <a:pPr lvl="3"/>
@@ -12346,6 +11275,7 @@
               <a:rPr lang="zh-CN" altLang="en-US" smtClean="0"/>
               <a:t>第四级</a:t>
             </a:r>
+            <a:endParaRPr lang="zh-CN" altLang="en-US" smtClean="0"/>
           </a:p>
           <a:p>
             <a:pPr lvl="4"/>
@@ -12392,8 +11322,6 @@
           <a:p>
             <a:fld id="{48A87A34-81AB-432B-8DAE-1953F412C126}" type="datetimeFigureOut">
               <a:rPr lang="en-US" dirty="0"/>
-              <a:pPr/>
-              <a:t>10/19/2017</a:t>
             </a:fld>
             <a:endParaRPr lang="en-US" dirty="0"/>
           </a:p>
@@ -12471,8 +11399,6 @@
           <a:p>
             <a:fld id="{6D22F896-40B5-4ADD-8801-0D06FADFA095}" type="slidenum">
               <a:rPr lang="en-US" dirty="0"/>
-              <a:pPr/>
-              <a:t>‹#›</a:t>
             </a:fld>
             <a:endParaRPr lang="en-US" dirty="0"/>
           </a:p>
@@ -12491,14 +11417,14 @@
     <p:sldLayoutId id="2147483655" r:id="rId7"/>
     <p:sldLayoutId id="2147483656" r:id="rId8"/>
     <p:sldLayoutId id="2147483657" r:id="rId9"/>
-    <p:sldLayoutId id="2147483660" r:id="rId10"/>
-    <p:sldLayoutId id="2147483661" r:id="rId11"/>
-    <p:sldLayoutId id="2147483666" r:id="rId12"/>
-    <p:sldLayoutId id="2147483663" r:id="rId13"/>
-    <p:sldLayoutId id="2147483667" r:id="rId14"/>
-    <p:sldLayoutId id="2147483668" r:id="rId15"/>
-    <p:sldLayoutId id="2147483658" r:id="rId16"/>
-    <p:sldLayoutId id="2147483659" r:id="rId17"/>
+    <p:sldLayoutId id="2147483658" r:id="rId10"/>
+    <p:sldLayoutId id="2147483659" r:id="rId11"/>
+    <p:sldLayoutId id="2147483660" r:id="rId12"/>
+    <p:sldLayoutId id="2147483661" r:id="rId13"/>
+    <p:sldLayoutId id="2147483662" r:id="rId14"/>
+    <p:sldLayoutId id="2147483663" r:id="rId15"/>
+    <p:sldLayoutId id="2147483664" r:id="rId16"/>
+    <p:sldLayoutId id="2147483665" r:id="rId17"/>
   </p:sldLayoutIdLst>
   <p:txStyles>
     <p:titleStyle>
@@ -12891,11 +11817,6 @@
         </p:txBody>
       </p:sp>
     </p:spTree>
-    <p:extLst>
-      <p:ext uri="{BB962C8B-B14F-4D97-AF65-F5344CB8AC3E}">
-        <p14:creationId xmlns:p14="http://schemas.microsoft.com/office/powerpoint/2010/main" val="679516982"/>
-      </p:ext>
-    </p:extLst>
   </p:cSld>
   <p:clrMapOvr>
     <a:masterClrMapping/>
@@ -12985,6 +11906,7 @@
               <a:rPr lang="zh-CN" altLang="en-US" dirty="0"/>
               <a:t>液压泵动力。可以快速跳跃，转身。</a:t>
             </a:r>
+            <a:endParaRPr lang="zh-CN" altLang="en-US" dirty="0"/>
           </a:p>
         </p:txBody>
       </p:sp>
@@ -12995,7 +11917,7 @@
           <p:nvPr/>
         </p:nvPicPr>
         <p:blipFill>
-          <a:blip r:embed="rId2">
+          <a:blip r:embed="rId1">
             <a:extLst>
               <a:ext uri="{28A0092B-C50C-407E-A947-70E740481C1C}">
                 <a14:useLocalDpi xmlns:a14="http://schemas.microsoft.com/office/drawing/2010/main" val="0"/>
@@ -13017,11 +11939,6 @@
         </p:spPr>
       </p:pic>
     </p:spTree>
-    <p:extLst>
-      <p:ext uri="{BB962C8B-B14F-4D97-AF65-F5344CB8AC3E}">
-        <p14:creationId xmlns:p14="http://schemas.microsoft.com/office/powerpoint/2010/main" val="84395591"/>
-      </p:ext>
-    </p:extLst>
   </p:cSld>
   <p:clrMapOvr>
     <a:masterClrMapping/>
@@ -13142,7 +12059,7 @@
           </p:nvPr>
         </p:nvPicPr>
         <p:blipFill>
-          <a:blip r:embed="rId2">
+          <a:blip r:embed="rId1">
             <a:extLst>
               <a:ext uri="{28A0092B-C50C-407E-A947-70E740481C1C}">
                 <a14:useLocalDpi xmlns:a14="http://schemas.microsoft.com/office/drawing/2010/main" val="0"/>
@@ -13164,11 +12081,6 @@
         </p:spPr>
       </p:pic>
     </p:spTree>
-    <p:extLst>
-      <p:ext uri="{BB962C8B-B14F-4D97-AF65-F5344CB8AC3E}">
-        <p14:creationId xmlns:p14="http://schemas.microsoft.com/office/powerpoint/2010/main" val="984238263"/>
-      </p:ext>
-    </p:extLst>
   </p:cSld>
   <p:clrMapOvr>
     <a:masterClrMapping/>
@@ -13297,11 +12209,6 @@
         </p:txBody>
       </p:sp>
     </p:spTree>
-    <p:extLst>
-      <p:ext uri="{BB962C8B-B14F-4D97-AF65-F5344CB8AC3E}">
-        <p14:creationId xmlns:p14="http://schemas.microsoft.com/office/powerpoint/2010/main" val="2687192132"/>
-      </p:ext>
-    </p:extLst>
   </p:cSld>
   <p:clrMapOvr>
     <a:masterClrMapping/>
@@ -13372,6 +12279,7 @@
               <a:rPr lang="en-US" altLang="zh-CN" dirty="0"/>
               <a:t>(Gray's Paradox)</a:t>
             </a:r>
+            <a:endParaRPr lang="en-US" altLang="zh-CN" dirty="0"/>
           </a:p>
           <a:p>
             <a:r>
@@ -13386,18 +12294,14 @@
               <a:rPr lang="zh-CN" altLang="en-US" dirty="0"/>
               <a:t>年运用当时的关于海豚的力学研究中提出了一个悖论：鱼类是游不起来的，除非它们具有比现在强至少十倍的力量。</a:t>
             </a:r>
-          </a:p>
-          <a:p>
             <a:endParaRPr lang="zh-CN" altLang="en-US" dirty="0"/>
           </a:p>
+          <a:p>
+            <a:endParaRPr lang="zh-CN" altLang="en-US" dirty="0"/>
+          </a:p>
         </p:txBody>
       </p:sp>
     </p:spTree>
-    <p:extLst>
-      <p:ext uri="{BB962C8B-B14F-4D97-AF65-F5344CB8AC3E}">
-        <p14:creationId xmlns:p14="http://schemas.microsoft.com/office/powerpoint/2010/main" val="4202522292"/>
-      </p:ext>
-    </p:extLst>
   </p:cSld>
   <p:clrMapOvr>
     <a:masterClrMapping/>
@@ -13476,7 +12380,7 @@
           </p:nvPr>
         </p:nvPicPr>
         <p:blipFill>
-          <a:blip r:embed="rId2"/>
+          <a:blip r:embed="rId1"/>
           <a:stretch>
             <a:fillRect/>
           </a:stretch>
@@ -13632,11 +12536,6 @@
         </p:txBody>
       </p:sp>
     </p:spTree>
-    <p:extLst>
-      <p:ext uri="{BB962C8B-B14F-4D97-AF65-F5344CB8AC3E}">
-        <p14:creationId xmlns:p14="http://schemas.microsoft.com/office/powerpoint/2010/main" val="718297292"/>
-      </p:ext>
-    </p:extLst>
   </p:cSld>
   <p:clrMapOvr>
     <a:masterClrMapping/>
@@ -13723,7 +12622,7 @@
           </p:nvPr>
         </p:nvPicPr>
         <p:blipFill>
-          <a:blip r:embed="rId2"/>
+          <a:blip r:embed="rId1"/>
           <a:stretch>
             <a:fillRect/>
           </a:stretch>
@@ -13783,11 +12682,6 @@
         </p:txBody>
       </p:sp>
     </p:spTree>
-    <p:extLst>
-      <p:ext uri="{BB962C8B-B14F-4D97-AF65-F5344CB8AC3E}">
-        <p14:creationId xmlns:p14="http://schemas.microsoft.com/office/powerpoint/2010/main" val="1128968830"/>
-      </p:ext>
-    </p:extLst>
   </p:cSld>
   <p:clrMapOvr>
     <a:masterClrMapping/>
@@ -13886,7 +12780,7 @@
           </p:nvPr>
         </p:nvPicPr>
         <p:blipFill>
-          <a:blip r:embed="rId2"/>
+          <a:blip r:embed="rId1"/>
           <a:stretch>
             <a:fillRect/>
           </a:stretch>
@@ -13976,15 +12870,11 @@
               <a:rPr lang="zh-CN" altLang="en-US" sz="4000" dirty="0"/>
               <a:t>规避的障碍物。</a:t>
             </a:r>
+            <a:endParaRPr lang="zh-CN" altLang="en-US" sz="4000" dirty="0"/>
           </a:p>
         </p:txBody>
       </p:sp>
     </p:spTree>
-    <p:extLst>
-      <p:ext uri="{BB962C8B-B14F-4D97-AF65-F5344CB8AC3E}">
-        <p14:creationId xmlns:p14="http://schemas.microsoft.com/office/powerpoint/2010/main" val="47458453"/>
-      </p:ext>
-    </p:extLst>
   </p:cSld>
   <p:clrMapOvr>
     <a:masterClrMapping/>
@@ -14059,7 +12949,7 @@
           </p:nvPr>
         </p:nvPicPr>
         <p:blipFill>
-          <a:blip r:embed="rId2"/>
+          <a:blip r:embed="rId1"/>
           <a:stretch>
             <a:fillRect/>
           </a:stretch>
@@ -14230,11 +13120,6 @@
         </p:txBody>
       </p:sp>
     </p:spTree>
-    <p:extLst>
-      <p:ext uri="{BB962C8B-B14F-4D97-AF65-F5344CB8AC3E}">
-        <p14:creationId xmlns:p14="http://schemas.microsoft.com/office/powerpoint/2010/main" val="709611559"/>
-      </p:ext>
-    </p:extLst>
   </p:cSld>
   <p:clrMapOvr>
     <a:masterClrMapping/>
@@ -14300,6 +13185,7 @@
               <a:rPr lang="zh-CN" altLang="en-US" dirty="0"/>
               <a:t>的尺寸很小</a:t>
             </a:r>
+            <a:endParaRPr lang="zh-CN" altLang="en-US" dirty="0"/>
           </a:p>
         </p:txBody>
       </p:sp>
@@ -14314,7 +13200,7 @@
           </p:nvPr>
         </p:nvPicPr>
         <p:blipFill>
-          <a:blip r:embed="rId2"/>
+          <a:blip r:embed="rId1"/>
           <a:stretch>
             <a:fillRect/>
           </a:stretch>
@@ -14405,11 +13291,6 @@
         </p:txBody>
       </p:sp>
     </p:spTree>
-    <p:extLst>
-      <p:ext uri="{BB962C8B-B14F-4D97-AF65-F5344CB8AC3E}">
-        <p14:creationId xmlns:p14="http://schemas.microsoft.com/office/powerpoint/2010/main" val="4151674172"/>
-      </p:ext>
-    </p:extLst>
   </p:cSld>
   <p:clrMapOvr>
     <a:masterClrMapping/>
@@ -14496,7 +13377,7 @@
           </p:nvPr>
         </p:nvPicPr>
         <p:blipFill>
-          <a:blip r:embed="rId2"/>
+          <a:blip r:embed="rId1"/>
           <a:stretch>
             <a:fillRect/>
           </a:stretch>
@@ -14633,11 +13514,6 @@
         </p:txBody>
       </p:sp>
     </p:spTree>
-    <p:extLst>
-      <p:ext uri="{BB962C8B-B14F-4D97-AF65-F5344CB8AC3E}">
-        <p14:creationId xmlns:p14="http://schemas.microsoft.com/office/powerpoint/2010/main" val="755495442"/>
-      </p:ext>
-    </p:extLst>
   </p:cSld>
   <p:clrMapOvr>
     <a:masterClrMapping/>
@@ -14671,7 +13547,7 @@
           <p:nvPr/>
         </p:nvPicPr>
         <p:blipFill>
-          <a:blip r:embed="rId3">
+          <a:blip r:embed="rId1">
             <a:extLst>
               <a:ext uri="{28A0092B-C50C-407E-A947-70E740481C1C}">
                 <a14:useLocalDpi xmlns:a14="http://schemas.microsoft.com/office/drawing/2010/main" val="0"/>
@@ -14701,9 +13577,11 @@
           <p:nvPr/>
         </p:nvPicPr>
         <p:blipFill rotWithShape="1">
-          <a:blip r:embed="rId4"/>
+          <a:blip r:embed="rId2"/>
           <a:srcRect r="35546" b="-3031"/>
-          <a:stretch/>
+          <a:stretch>
+            <a:fillRect/>
+          </a:stretch>
         </p:blipFill>
         <p:spPr>
           <a:xfrm>
@@ -14724,7 +13602,7 @@
           <p:nvPr/>
         </p:nvPicPr>
         <p:blipFill>
-          <a:blip r:embed="rId5">
+          <a:blip r:embed="rId3">
             <a:extLst>
               <a:ext uri="{28A0092B-C50C-407E-A947-70E740481C1C}">
                 <a14:useLocalDpi xmlns:a14="http://schemas.microsoft.com/office/drawing/2010/main" val="0"/>
@@ -14936,11 +13814,6 @@
         </p:txBody>
       </p:sp>
     </p:spTree>
-    <p:extLst>
-      <p:ext uri="{BB962C8B-B14F-4D97-AF65-F5344CB8AC3E}">
-        <p14:creationId xmlns:p14="http://schemas.microsoft.com/office/powerpoint/2010/main" val="1471839987"/>
-      </p:ext>
-    </p:extLst>
   </p:cSld>
   <p:clrMapOvr>
     <a:masterClrMapping/>
@@ -15051,6 +13924,7 @@
               <a:rPr lang="zh-CN" altLang="zh-CN" dirty="0"/>
               <a:t>），这个推进效率的数据来自于北京大学工学院的谢广明教授。</a:t>
             </a:r>
+            <a:endParaRPr lang="zh-CN" altLang="zh-CN" dirty="0"/>
           </a:p>
           <a:p>
             <a:r>
@@ -15089,11 +13963,6 @@
         </p:txBody>
       </p:sp>
     </p:spTree>
-    <p:extLst>
-      <p:ext uri="{BB962C8B-B14F-4D97-AF65-F5344CB8AC3E}">
-        <p14:creationId xmlns:p14="http://schemas.microsoft.com/office/powerpoint/2010/main" val="2879841489"/>
-      </p:ext>
-    </p:extLst>
   </p:cSld>
   <p:clrMapOvr>
     <a:masterClrMapping/>
@@ -15251,11 +14120,6 @@
         </p:txBody>
       </p:sp>
     </p:spTree>
-    <p:extLst>
-      <p:ext uri="{BB962C8B-B14F-4D97-AF65-F5344CB8AC3E}">
-        <p14:creationId xmlns:p14="http://schemas.microsoft.com/office/powerpoint/2010/main" val="3311728223"/>
-      </p:ext>
-    </p:extLst>
   </p:cSld>
   <p:clrMapOvr>
     <a:masterClrMapping/>
@@ -15352,9 +14216,7 @@
       <p:sp>
         <p:nvSpPr>
           <p:cNvPr id="4" name="标题 1"/>
-          <p:cNvSpPr txBox="1">
-            <a:spLocks/>
-          </p:cNvSpPr>
+          <p:cNvSpPr txBox="1"/>
           <p:nvPr/>
         </p:nvSpPr>
         <p:spPr>
@@ -15415,11 +14277,6 @@
         </p:txBody>
       </p:sp>
     </p:spTree>
-    <p:extLst>
-      <p:ext uri="{BB962C8B-B14F-4D97-AF65-F5344CB8AC3E}">
-        <p14:creationId xmlns:p14="http://schemas.microsoft.com/office/powerpoint/2010/main" val="323033471"/>
-      </p:ext>
-    </p:extLst>
   </p:cSld>
   <p:clrMapOvr>
     <a:masterClrMapping/>
@@ -15559,7 +14416,7 @@
           </p:nvPr>
         </p:nvPicPr>
         <p:blipFill>
-          <a:blip r:embed="rId2">
+          <a:blip r:embed="rId1">
             <a:extLst>
               <a:ext uri="{28A0092B-C50C-407E-A947-70E740481C1C}">
                 <a14:useLocalDpi xmlns:a14="http://schemas.microsoft.com/office/drawing/2010/main" val="0"/>
@@ -15672,15 +14529,15 @@
               </a:rPr>
               <a:t>万美元</a:t>
             </a:r>
+            <a:endParaRPr lang="zh-CN" altLang="en-US" sz="4000" dirty="0">
+              <a:solidFill>
+                <a:srgbClr val="FF0000"/>
+              </a:solidFill>
+            </a:endParaRPr>
           </a:p>
         </p:txBody>
       </p:sp>
     </p:spTree>
-    <p:extLst>
-      <p:ext uri="{BB962C8B-B14F-4D97-AF65-F5344CB8AC3E}">
-        <p14:creationId xmlns:p14="http://schemas.microsoft.com/office/powerpoint/2010/main" val="1210953957"/>
-      </p:ext>
-    </p:extLst>
   </p:cSld>
   <p:clrMapOvr>
     <a:masterClrMapping/>
@@ -15761,7 +14618,7 @@
           </p:nvPr>
         </p:nvPicPr>
         <p:blipFill>
-          <a:blip r:embed="rId2">
+          <a:blip r:embed="rId1">
             <a:extLst>
               <a:ext uri="{28A0092B-C50C-407E-A947-70E740481C1C}">
                 <a14:useLocalDpi xmlns:a14="http://schemas.microsoft.com/office/drawing/2010/main" val="0"/>
@@ -15882,11 +14739,6 @@
         </p:txBody>
       </p:sp>
     </p:spTree>
-    <p:extLst>
-      <p:ext uri="{BB962C8B-B14F-4D97-AF65-F5344CB8AC3E}">
-        <p14:creationId xmlns:p14="http://schemas.microsoft.com/office/powerpoint/2010/main" val="401401773"/>
-      </p:ext>
-    </p:extLst>
   </p:cSld>
   <p:clrMapOvr>
     <a:masterClrMapping/>
@@ -15984,6 +14836,11 @@
               </a:rPr>
               <a:t>能源效率</a:t>
             </a:r>
+            <a:endParaRPr lang="zh-CN" altLang="zh-CN" dirty="0">
+              <a:solidFill>
+                <a:srgbClr val="FF0000"/>
+              </a:solidFill>
+            </a:endParaRPr>
           </a:p>
           <a:p>
             <a:r>
@@ -15994,6 +14851,11 @@
               </a:rPr>
               <a:t>智能化与多功能化程度</a:t>
             </a:r>
+            <a:endParaRPr lang="zh-CN" altLang="zh-CN" dirty="0">
+              <a:solidFill>
+                <a:srgbClr val="FF0000"/>
+              </a:solidFill>
+            </a:endParaRPr>
           </a:p>
           <a:p>
             <a:r>
@@ -16013,11 +14875,6 @@
         </p:txBody>
       </p:sp>
     </p:spTree>
-    <p:extLst>
-      <p:ext uri="{BB962C8B-B14F-4D97-AF65-F5344CB8AC3E}">
-        <p14:creationId xmlns:p14="http://schemas.microsoft.com/office/powerpoint/2010/main" val="2212750465"/>
-      </p:ext>
-    </p:extLst>
   </p:cSld>
   <p:clrMapOvr>
     <a:masterClrMapping/>
@@ -16131,11 +14988,453 @@
         </p:txBody>
       </p:sp>
     </p:spTree>
-    <p:extLst>
-      <p:ext uri="{BB962C8B-B14F-4D97-AF65-F5344CB8AC3E}">
-        <p14:creationId xmlns:p14="http://schemas.microsoft.com/office/powerpoint/2010/main" val="2354998850"/>
-      </p:ext>
-    </p:extLst>
+  </p:cSld>
+  <p:clrMapOvr>
+    <a:masterClrMapping/>
+  </p:clrMapOvr>
+</p:sld>
+</file>
+
+<file path=ppt/slides/slide27.xml><?xml version="1.0" encoding="utf-8"?>
+<p:sld xmlns:a="http://schemas.openxmlformats.org/drawingml/2006/main" xmlns:r="http://schemas.openxmlformats.org/officeDocument/2006/relationships" xmlns:p="http://schemas.openxmlformats.org/presentationml/2006/main">
+  <p:cSld>
+    <p:spTree>
+      <p:nvGrpSpPr>
+        <p:cNvPr id="1" name=""/>
+        <p:cNvGrpSpPr/>
+        <p:nvPr/>
+      </p:nvGrpSpPr>
+      <p:grpSpPr/>
+      <p:sp>
+        <p:nvSpPr>
+          <p:cNvPr id="2" name="标题 1"/>
+          <p:cNvSpPr>
+            <a:spLocks noGrp="1"/>
+          </p:cNvSpPr>
+          <p:nvPr>
+            <p:ph type="ctrTitle"/>
+          </p:nvPr>
+        </p:nvSpPr>
+        <p:spPr>
+          <a:xfrm>
+            <a:off x="215265" y="71120"/>
+            <a:ext cx="8791575" cy="756920"/>
+          </a:xfrm>
+        </p:spPr>
+        <p:txBody>
+          <a:bodyPr>
+            <a:normAutofit fontScale="90000"/>
+          </a:bodyPr>
+          <a:p>
+            <a:r>
+              <a:rPr lang="zh-CN" altLang="en-US"/>
+              <a:t>参考资料</a:t>
+            </a:r>
+            <a:endParaRPr lang="zh-CN" altLang="en-US"/>
+          </a:p>
+        </p:txBody>
+      </p:sp>
+      <p:sp>
+        <p:nvSpPr>
+          <p:cNvPr id="3" name="副标题 2"/>
+          <p:cNvSpPr>
+            <a:spLocks noGrp="1"/>
+          </p:cNvSpPr>
+          <p:nvPr>
+            <p:ph type="subTitle" idx="1"/>
+          </p:nvPr>
+        </p:nvSpPr>
+        <p:spPr>
+          <a:xfrm>
+            <a:off x="337820" y="828040"/>
+            <a:ext cx="11732260" cy="5862320"/>
+          </a:xfrm>
+        </p:spPr>
+        <p:txBody>
+          <a:bodyPr>
+            <a:scene3d>
+              <a:camera prst="orthographicFront"/>
+              <a:lightRig rig="threePt" dir="t"/>
+            </a:scene3d>
+          </a:bodyPr>
+          <a:p>
+            <a:r>
+              <a:rPr lang="zh-CN" altLang="en-US"/>
+              <a:t></a:t>
+            </a:r>
+            <a:r>
+              <a:rPr lang="zh-CN" altLang="en-US">
+                <a:ln/>
+                <a:solidFill>
+                  <a:schemeClr val="tx1"/>
+                </a:solidFill>
+                <a:effectLst>
+                  <a:outerShdw blurRad="38100" dist="19050" dir="2700000" algn="tl" rotWithShape="0">
+                    <a:schemeClr val="dk1">
+                      <a:alpha val="40000"/>
+                    </a:schemeClr>
+                  </a:outerShdw>
+                </a:effectLst>
+              </a:rPr>
+              <a:t>[1]周骥平,武立新,朱兴龙. 仿生扑翼飞行器的研究现状及关键技术[J]. 机器人技术与应用,2004,(06):12-17.</a:t>
+            </a:r>
+            <a:endParaRPr lang="zh-CN" altLang="en-US">
+              <a:ln/>
+              <a:solidFill>
+                <a:schemeClr val="tx1"/>
+              </a:solidFill>
+              <a:effectLst>
+                <a:outerShdw blurRad="38100" dist="19050" dir="2700000" algn="tl" rotWithShape="0">
+                  <a:schemeClr val="dk1">
+                    <a:alpha val="40000"/>
+                  </a:schemeClr>
+                </a:outerShdw>
+              </a:effectLst>
+            </a:endParaRPr>
+          </a:p>
+          <a:p>
+            <a:r>
+              <a:rPr lang="zh-CN" altLang="en-US">
+                <a:ln/>
+                <a:solidFill>
+                  <a:schemeClr val="tx1"/>
+                </a:solidFill>
+                <a:effectLst>
+                  <a:outerShdw blurRad="38100" dist="19050" dir="2700000" algn="tl" rotWithShape="0">
+                    <a:schemeClr val="dk1">
+                      <a:alpha val="40000"/>
+                    </a:schemeClr>
+                  </a:outerShdw>
+                </a:effectLst>
+              </a:rPr>
+              <a:t>[2] 陈国栋, 贾培发, 刘艳. 微型飞行器的研究与发展[J]. 机器人技术与应用, 2006, (02): 34-44.</a:t>
+            </a:r>
+            <a:endParaRPr lang="zh-CN" altLang="en-US">
+              <a:ln/>
+              <a:solidFill>
+                <a:schemeClr val="tx1"/>
+              </a:solidFill>
+              <a:effectLst>
+                <a:outerShdw blurRad="38100" dist="19050" dir="2700000" algn="tl" rotWithShape="0">
+                  <a:schemeClr val="dk1">
+                    <a:alpha val="40000"/>
+                  </a:schemeClr>
+                </a:outerShdw>
+              </a:effectLst>
+            </a:endParaRPr>
+          </a:p>
+          <a:p>
+            <a:r>
+              <a:rPr lang="zh-CN" altLang="en-US">
+                <a:ln/>
+                <a:solidFill>
+                  <a:schemeClr val="tx1"/>
+                </a:solidFill>
+                <a:effectLst>
+                  <a:outerShdw blurRad="38100" dist="19050" dir="2700000" algn="tl" rotWithShape="0">
+                    <a:schemeClr val="dk1">
+                      <a:alpha val="40000"/>
+                    </a:schemeClr>
+                  </a:outerShdw>
+                </a:effectLst>
+              </a:rPr>
+              <a:t>[3] 孙泽江, 郝永平, 李伦. 仿生扑翼飞行器设计新进展[J]. 科技创新与应用, 2016, (03): 32.</a:t>
+            </a:r>
+            <a:endParaRPr lang="zh-CN" altLang="en-US">
+              <a:ln/>
+              <a:solidFill>
+                <a:schemeClr val="tx1"/>
+              </a:solidFill>
+              <a:effectLst>
+                <a:outerShdw blurRad="38100" dist="19050" dir="2700000" algn="tl" rotWithShape="0">
+                  <a:schemeClr val="dk1">
+                    <a:alpha val="40000"/>
+                  </a:schemeClr>
+                </a:outerShdw>
+              </a:effectLst>
+            </a:endParaRPr>
+          </a:p>
+          <a:p>
+            <a:r>
+              <a:rPr lang="zh-CN" altLang="en-US">
+                <a:ln/>
+                <a:solidFill>
+                  <a:schemeClr val="tx1"/>
+                </a:solidFill>
+                <a:effectLst>
+                  <a:outerShdw blurRad="38100" dist="19050" dir="2700000" algn="tl" rotWithShape="0">
+                    <a:schemeClr val="dk1">
+                      <a:alpha val="40000"/>
+                    </a:schemeClr>
+                  </a:outerShdw>
+                </a:effectLst>
+              </a:rPr>
+              <a:t>[4] Micro air vehicle[EB/OL]. https://en.wikipedia.org/wiki/Micro_air_vehicle.</a:t>
+            </a:r>
+            <a:endParaRPr lang="zh-CN" altLang="en-US">
+              <a:ln/>
+              <a:solidFill>
+                <a:schemeClr val="tx1"/>
+              </a:solidFill>
+              <a:effectLst>
+                <a:outerShdw blurRad="38100" dist="19050" dir="2700000" algn="tl" rotWithShape="0">
+                  <a:schemeClr val="dk1">
+                    <a:alpha val="40000"/>
+                  </a:schemeClr>
+                </a:outerShdw>
+              </a:effectLst>
+            </a:endParaRPr>
+          </a:p>
+          <a:p>
+            <a:r>
+              <a:rPr lang="zh-CN" altLang="en-US">
+                <a:ln/>
+                <a:solidFill>
+                  <a:schemeClr val="tx1"/>
+                </a:solidFill>
+                <a:effectLst>
+                  <a:outerShdw blurRad="38100" dist="19050" dir="2700000" algn="tl" rotWithShape="0">
+                    <a:schemeClr val="dk1">
+                      <a:alpha val="40000"/>
+                    </a:schemeClr>
+                  </a:outerShdw>
+                </a:effectLst>
+              </a:rPr>
+              <a:t>[5] 秦雷, 谢晓瑛, 李君龙. MEMS技术发展现状及未来发展趋势[J]. 现代防御技术, 2017, (04): 1-5+23.</a:t>
+            </a:r>
+            <a:endParaRPr lang="zh-CN" altLang="en-US">
+              <a:ln/>
+              <a:solidFill>
+                <a:schemeClr val="tx1"/>
+              </a:solidFill>
+              <a:effectLst>
+                <a:outerShdw blurRad="38100" dist="19050" dir="2700000" algn="tl" rotWithShape="0">
+                  <a:schemeClr val="dk1">
+                    <a:alpha val="40000"/>
+                  </a:schemeClr>
+                </a:outerShdw>
+              </a:effectLst>
+            </a:endParaRPr>
+          </a:p>
+          <a:p>
+            <a:r>
+              <a:rPr lang="zh-CN" altLang="en-US">
+                <a:ln/>
+                <a:solidFill>
+                  <a:schemeClr val="tx1"/>
+                </a:solidFill>
+                <a:effectLst>
+                  <a:outerShdw blurRad="38100" dist="19050" dir="2700000" algn="tl" rotWithShape="0">
+                    <a:schemeClr val="dk1">
+                      <a:alpha val="40000"/>
+                    </a:schemeClr>
+                  </a:outerShdw>
+                </a:effectLst>
+              </a:rPr>
+              <a:t>[6] 夏宇阳, 颜景平. 仿生飞行器的研究进展——昆虫飞行机理的实验研究[J]. 机械制造与自动化, 2004, (01): 36-38.</a:t>
+            </a:r>
+            <a:endParaRPr lang="zh-CN" altLang="en-US">
+              <a:ln/>
+              <a:solidFill>
+                <a:schemeClr val="tx1"/>
+              </a:solidFill>
+              <a:effectLst>
+                <a:outerShdw blurRad="38100" dist="19050" dir="2700000" algn="tl" rotWithShape="0">
+                  <a:schemeClr val="dk1">
+                    <a:alpha val="40000"/>
+                  </a:schemeClr>
+                </a:outerShdw>
+              </a:effectLst>
+            </a:endParaRPr>
+          </a:p>
+        </p:txBody>
+      </p:sp>
+    </p:spTree>
+  </p:cSld>
+  <p:clrMapOvr>
+    <a:masterClrMapping/>
+  </p:clrMapOvr>
+</p:sld>
+</file>
+
+<file path=ppt/slides/slide28.xml><?xml version="1.0" encoding="utf-8"?>
+<p:sld xmlns:a="http://schemas.openxmlformats.org/drawingml/2006/main" xmlns:r="http://schemas.openxmlformats.org/officeDocument/2006/relationships" xmlns:p="http://schemas.openxmlformats.org/presentationml/2006/main">
+  <p:cSld>
+    <p:spTree>
+      <p:nvGrpSpPr>
+        <p:cNvPr id="1" name=""/>
+        <p:cNvGrpSpPr/>
+        <p:nvPr/>
+      </p:nvGrpSpPr>
+      <p:grpSpPr/>
+      <p:sp>
+        <p:nvSpPr>
+          <p:cNvPr id="3" name="副标题 2"/>
+          <p:cNvSpPr>
+            <a:spLocks noGrp="1"/>
+          </p:cNvSpPr>
+          <p:nvPr>
+            <p:ph type="subTitle" idx="1"/>
+          </p:nvPr>
+        </p:nvSpPr>
+        <p:spPr>
+          <a:xfrm>
+            <a:off x="383540" y="203835"/>
+            <a:ext cx="11609705" cy="6501130"/>
+          </a:xfrm>
+        </p:spPr>
+        <p:txBody>
+          <a:bodyPr>
+            <a:normAutofit fontScale="90000" lnSpcReduction="20000"/>
+          </a:bodyPr>
+          <a:p>
+            <a:r>
+              <a:rPr lang="zh-CN" altLang="en-US"/>
+              <a:t>[7]. "Google patent of robotic fish." from http://www.google.ac/patents/US6138604.</a:t>
+            </a:r>
+            <a:endParaRPr lang="zh-CN" altLang="en-US"/>
+          </a:p>
+          <a:p>
+            <a:r>
+              <a:rPr lang="zh-CN" altLang="en-US"/>
+              <a:t>[8]. "Maneuvering and Stability Performance of a Robotic Tuna1 ". from https://academic.oup.com/icb/article/42/1/118/559938.</a:t>
+            </a:r>
+            <a:endParaRPr lang="zh-CN" altLang="en-US"/>
+          </a:p>
+          <a:p>
+            <a:r>
+              <a:rPr lang="zh-CN" altLang="en-US"/>
+              <a:t>[9]. "Research Gate-Development of robotic fish." from https://www.researchgate.net/profile/Muhammad_Razif/publication/275833412_A_Review_on_Development_of_Robotic_Fish/links/55481d9f0cf26a7bf4dab50a/A-Review-on-Development-of-Robotic-Fish.pdf.</a:t>
+            </a:r>
+            <a:endParaRPr lang="zh-CN" altLang="en-US"/>
+          </a:p>
+          <a:p>
+            <a:r>
+              <a:rPr lang="zh-CN" altLang="en-US"/>
+              <a:t>[10]. "robotic-fish.net." from http://www.robotic-fish.net/index.php?lang=en&amp;id=robots.</a:t>
+            </a:r>
+            <a:endParaRPr lang="zh-CN" altLang="en-US"/>
+          </a:p>
+          <a:p>
+            <a:r>
+              <a:rPr lang="zh-CN" altLang="en-US"/>
+              <a:t>[11]. "robotic coelacanth." from http://www.roboticstoday.com/robots/coelacanth-description.</a:t>
+            </a:r>
+            <a:endParaRPr lang="zh-CN" altLang="en-US"/>
+          </a:p>
+          <a:p>
+            <a:r>
+              <a:rPr lang="zh-CN" altLang="en-US"/>
+              <a:t>[12]. "New robotic fish MIT 2009." from http://edition.cnn.com/2009/TECH/science/08/31/robotic.fish.mit/index.html.</a:t>
+            </a:r>
+            <a:endParaRPr lang="zh-CN" altLang="en-US"/>
+          </a:p>
+          <a:p>
+            <a:r>
+              <a:rPr lang="zh-CN" altLang="en-US"/>
+              <a:t>[13]. "You Will Soon Be Watched Underwater by a Robotic Tuna." from https://robotuna.wordpress.com/2009/09/11/you-will-soon-be-watched-underwater-by-a-robotic-tuna/.</a:t>
+            </a:r>
+            <a:endParaRPr lang="zh-CN" altLang="en-US"/>
+          </a:p>
+        </p:txBody>
+      </p:sp>
+    </p:spTree>
+  </p:cSld>
+  <p:clrMapOvr>
+    <a:masterClrMapping/>
+  </p:clrMapOvr>
+</p:sld>
+</file>
+
+<file path=ppt/slides/slide29.xml><?xml version="1.0" encoding="utf-8"?>
+<p:sld xmlns:a="http://schemas.openxmlformats.org/drawingml/2006/main" xmlns:r="http://schemas.openxmlformats.org/officeDocument/2006/relationships" xmlns:p="http://schemas.openxmlformats.org/presentationml/2006/main">
+  <p:cSld>
+    <p:spTree>
+      <p:nvGrpSpPr>
+        <p:cNvPr id="1" name=""/>
+        <p:cNvGrpSpPr/>
+        <p:nvPr/>
+      </p:nvGrpSpPr>
+      <p:grpSpPr/>
+      <p:sp>
+        <p:nvSpPr>
+          <p:cNvPr id="3" name="副标题 2"/>
+          <p:cNvSpPr>
+            <a:spLocks noGrp="1"/>
+          </p:cNvSpPr>
+          <p:nvPr>
+            <p:ph type="subTitle" idx="1"/>
+          </p:nvPr>
+        </p:nvSpPr>
+        <p:spPr>
+          <a:xfrm>
+            <a:off x="413385" y="113030"/>
+            <a:ext cx="11595735" cy="6562090"/>
+          </a:xfrm>
+        </p:spPr>
+        <p:txBody>
+          <a:bodyPr>
+            <a:normAutofit fontScale="90000" lnSpcReduction="10000"/>
+          </a:bodyPr>
+          <a:p>
+            <a:r>
+              <a:rPr lang="zh-CN" altLang="en-US"/>
+              <a:t>[14]. " ‘RoboTuna’ for Navy." from https://robotuna.wordpress.com/2009/09/11/engineers-build-robotuna-for-navy-mass-high-tech-business-news/.</a:t>
+            </a:r>
+            <a:endParaRPr lang="zh-CN" altLang="en-US"/>
+          </a:p>
+          <a:p>
+            <a:r>
+              <a:rPr lang="zh-CN" altLang="en-US"/>
+              <a:t>[15]. "New robotuna." from http://www.mand3l.com/portfolio/robotuna/.</a:t>
+            </a:r>
+            <a:endParaRPr lang="zh-CN" altLang="en-US"/>
+          </a:p>
+          <a:p>
+            <a:r>
+              <a:rPr lang="zh-CN" altLang="en-US"/>
+              <a:t>[16]. "Jessiko Project." from http://www.robotswim.com/index.php?id=jessiko&amp;id2=projet&amp;lan=en.</a:t>
+            </a:r>
+            <a:endParaRPr lang="zh-CN" altLang="en-US"/>
+          </a:p>
+          <a:p>
+            <a:r>
+              <a:rPr lang="zh-CN" altLang="en-US"/>
+              <a:t>[17]. "Robotuna Project To Model Real Fish." from http://tech.mit.edu/V115/N49/robotuna.49n.html.</a:t>
+            </a:r>
+            <a:endParaRPr lang="zh-CN" altLang="en-US"/>
+          </a:p>
+          <a:p>
+            <a:r>
+              <a:rPr lang="zh-CN" altLang="en-US"/>
+              <a:t>[18]. "MIT's Robotic Fish Takes First Swim." from http://news.mit.edu/1994/robotuna.</a:t>
+            </a:r>
+            <a:endParaRPr lang="zh-CN" altLang="en-US"/>
+          </a:p>
+          <a:p>
+            <a:r>
+              <a:rPr lang="zh-CN" altLang="en-US"/>
+              <a:t>[19]. "Gray's Paradox, Biomimetics, and Efficient Propulsion." from http://www.infinitefutures.com/essays/cat/biomimetics.html.</a:t>
+            </a:r>
+            <a:endParaRPr lang="zh-CN" altLang="en-US"/>
+          </a:p>
+          <a:p>
+            <a:r>
+              <a:rPr lang="zh-CN" altLang="en-US"/>
+              <a:t>[20]. "Wikipedia of Robotuna." from https://en.wikipedia.org/wiki/RoboTuna.</a:t>
+            </a:r>
+            <a:endParaRPr lang="zh-CN" altLang="en-US"/>
+          </a:p>
+          <a:p>
+            <a:r>
+              <a:rPr lang="zh-CN" altLang="en-US"/>
+              <a:t>[21]Habib, M. K. (2013). Engineering Creative Design in Robotics and Mechatronics, IGI Global.</a:t>
+            </a:r>
+            <a:endParaRPr lang="zh-CN" altLang="en-US"/>
+          </a:p>
+        </p:txBody>
+      </p:sp>
+    </p:spTree>
   </p:cSld>
   <p:clrMapOvr>
     <a:masterClrMapping/>
@@ -16186,59 +15485,27 @@
               <a:rPr lang="en-US" altLang="zh-CN" sz="6700" dirty="0" smtClean="0"/>
               <a:t>What are they improving?</a:t>
             </a:r>
-            <a:r>
-              <a:rPr lang="en-US" altLang="zh-CN" dirty="0" smtClean="0"/>
-              <a:t/>
-            </a:r>
             <a:br>
               <a:rPr lang="en-US" altLang="zh-CN" dirty="0" smtClean="0"/>
             </a:br>
-            <a:r>
-              <a:rPr lang="en-US" altLang="zh-CN" dirty="0"/>
-              <a:t/>
-            </a:r>
             <a:br>
               <a:rPr lang="en-US" altLang="zh-CN" dirty="0"/>
             </a:br>
-            <a:r>
-              <a:rPr lang="en-US" altLang="zh-CN" dirty="0" smtClean="0"/>
-              <a:t/>
-            </a:r>
             <a:br>
               <a:rPr lang="en-US" altLang="zh-CN" dirty="0" smtClean="0"/>
             </a:br>
-            <a:r>
-              <a:rPr lang="en-US" altLang="zh-CN" dirty="0"/>
-              <a:t/>
-            </a:r>
             <a:br>
               <a:rPr lang="en-US" altLang="zh-CN" dirty="0"/>
             </a:br>
-            <a:r>
-              <a:rPr lang="en-US" altLang="zh-CN" dirty="0" smtClean="0"/>
-              <a:t/>
-            </a:r>
             <a:br>
               <a:rPr lang="en-US" altLang="zh-CN" dirty="0" smtClean="0"/>
             </a:br>
-            <a:r>
-              <a:rPr lang="en-US" altLang="zh-CN" dirty="0"/>
-              <a:t/>
-            </a:r>
             <a:br>
               <a:rPr lang="en-US" altLang="zh-CN" dirty="0"/>
             </a:br>
-            <a:r>
-              <a:rPr lang="en-US" altLang="zh-CN" dirty="0" smtClean="0"/>
-              <a:t/>
-            </a:r>
             <a:br>
               <a:rPr lang="en-US" altLang="zh-CN" dirty="0" smtClean="0"/>
             </a:br>
-            <a:r>
-              <a:rPr lang="en-US" altLang="zh-CN" dirty="0"/>
-              <a:t/>
-            </a:r>
             <a:br>
               <a:rPr lang="en-US" altLang="zh-CN" dirty="0"/>
             </a:br>
@@ -16246,17 +15513,9 @@
               <a:rPr lang="en-US" altLang="zh-CN" sz="6700" dirty="0" smtClean="0"/>
               <a:t>Why are they improving?</a:t>
             </a:r>
-            <a:r>
-              <a:rPr lang="en-US" altLang="zh-CN" dirty="0" smtClean="0"/>
-              <a:t/>
-            </a:r>
             <a:br>
               <a:rPr lang="en-US" altLang="zh-CN" dirty="0" smtClean="0"/>
             </a:br>
-            <a:r>
-              <a:rPr lang="en-US" altLang="zh-CN" dirty="0"/>
-              <a:t/>
-            </a:r>
             <a:br>
               <a:rPr lang="en-US" altLang="zh-CN" dirty="0"/>
             </a:br>
@@ -16265,11 +15524,6 @@
         </p:txBody>
       </p:sp>
     </p:spTree>
-    <p:extLst>
-      <p:ext uri="{BB962C8B-B14F-4D97-AF65-F5344CB8AC3E}">
-        <p14:creationId xmlns:p14="http://schemas.microsoft.com/office/powerpoint/2010/main" val="1942533205"/>
-      </p:ext>
-    </p:extLst>
   </p:cSld>
   <p:clrMapOvr>
     <a:masterClrMapping/>
@@ -16325,11 +15579,6 @@
         </p:txBody>
       </p:sp>
     </p:spTree>
-    <p:extLst>
-      <p:ext uri="{BB962C8B-B14F-4D97-AF65-F5344CB8AC3E}">
-        <p14:creationId xmlns:p14="http://schemas.microsoft.com/office/powerpoint/2010/main" val="799971921"/>
-      </p:ext>
-    </p:extLst>
   </p:cSld>
   <p:clrMapOvr>
     <a:masterClrMapping/>
@@ -16390,7 +15639,7 @@
           </p:nvPr>
         </p:nvPicPr>
         <p:blipFill>
-          <a:blip r:embed="rId2">
+          <a:blip r:embed="rId1">
             <a:extLst>
               <a:ext uri="{28A0092B-C50C-407E-A947-70E740481C1C}">
                 <a14:useLocalDpi xmlns:a14="http://schemas.microsoft.com/office/drawing/2010/main" val="0"/>
@@ -16466,6 +15715,7 @@
               <a:rPr lang="en-US" altLang="zh-CN" sz="3200" dirty="0" smtClean="0"/>
               <a:t>MIT</a:t>
             </a:r>
+            <a:endParaRPr lang="en-US" altLang="zh-CN" sz="3200" dirty="0" smtClean="0"/>
           </a:p>
           <a:p>
             <a:r>
@@ -16480,6 +15730,7 @@
               <a:rPr lang="zh-CN" altLang="zh-CN" sz="3200" dirty="0"/>
               <a:t>中创立。</a:t>
             </a:r>
+            <a:endParaRPr lang="zh-CN" altLang="zh-CN" sz="3200" dirty="0"/>
           </a:p>
           <a:p>
             <a:endParaRPr lang="zh-CN" altLang="en-US" dirty="0"/>
@@ -16487,11 +15738,6 @@
         </p:txBody>
       </p:sp>
     </p:spTree>
-    <p:extLst>
-      <p:ext uri="{BB962C8B-B14F-4D97-AF65-F5344CB8AC3E}">
-        <p14:creationId xmlns:p14="http://schemas.microsoft.com/office/powerpoint/2010/main" val="1784726936"/>
-      </p:ext>
-    </p:extLst>
   </p:cSld>
   <p:clrMapOvr>
     <a:masterClrMapping/>
@@ -16542,6 +15788,7 @@
               <a:rPr lang="zh-CN" altLang="zh-CN" sz="2800" dirty="0"/>
               <a:t>两个核心技术专利：</a:t>
             </a:r>
+            <a:endParaRPr lang="zh-CN" altLang="zh-CN" sz="2800" dirty="0"/>
           </a:p>
           <a:p>
             <a:r>
@@ -16582,6 +15829,7 @@
               <a:rPr lang="zh-CN" altLang="zh-CN" sz="2800" dirty="0"/>
               <a:t>关节的液压值。</a:t>
             </a:r>
+            <a:endParaRPr lang="zh-CN" altLang="zh-CN" sz="2800" dirty="0"/>
           </a:p>
           <a:p>
             <a:r>
@@ -16592,6 +15840,7 @@
               <a:rPr lang="en-US" altLang="zh-CN" sz="2800" dirty="0" smtClean="0"/>
               <a:t>device</a:t>
             </a:r>
+            <a:endParaRPr lang="en-US" altLang="zh-CN" sz="2800" dirty="0" smtClean="0"/>
           </a:p>
           <a:p>
             <a:r>
@@ -16602,6 +15851,7 @@
               <a:rPr lang="zh-CN" altLang="zh-CN" sz="2800" dirty="0"/>
               <a:t>一个与跳跃相关的机械实现方案。具体技术细节比较复杂。</a:t>
             </a:r>
+            <a:endParaRPr lang="zh-CN" altLang="zh-CN" sz="2800" dirty="0"/>
           </a:p>
           <a:p>
             <a:r>
@@ -16646,6 +15896,7 @@
               <a:rPr lang="zh-CN" altLang="zh-CN" sz="2800" dirty="0"/>
               <a:t>支持之下，事业蒸蒸日上。</a:t>
             </a:r>
+            <a:endParaRPr lang="zh-CN" altLang="zh-CN" sz="2800" dirty="0"/>
           </a:p>
           <a:p>
             <a:endParaRPr lang="zh-CN" altLang="en-US" dirty="0"/>
@@ -16653,11 +15904,6 @@
         </p:txBody>
       </p:sp>
     </p:spTree>
-    <p:extLst>
-      <p:ext uri="{BB962C8B-B14F-4D97-AF65-F5344CB8AC3E}">
-        <p14:creationId xmlns:p14="http://schemas.microsoft.com/office/powerpoint/2010/main" val="479242084"/>
-      </p:ext>
-    </p:extLst>
   </p:cSld>
   <p:clrMapOvr>
     <a:masterClrMapping/>
@@ -16728,7 +15974,7 @@
           </p:nvPr>
         </p:nvPicPr>
         <p:blipFill>
-          <a:blip r:embed="rId2">
+          <a:blip r:embed="rId1">
             <a:extLst>
               <a:ext uri="{28A0092B-C50C-407E-A947-70E740481C1C}">
                 <a14:useLocalDpi xmlns:a14="http://schemas.microsoft.com/office/drawing/2010/main" val="0"/>
@@ -16755,11 +16001,6 @@
         </p:spPr>
       </p:pic>
     </p:spTree>
-    <p:extLst>
-      <p:ext uri="{BB962C8B-B14F-4D97-AF65-F5344CB8AC3E}">
-        <p14:creationId xmlns:p14="http://schemas.microsoft.com/office/powerpoint/2010/main" val="4074679637"/>
-      </p:ext>
-    </p:extLst>
   </p:cSld>
   <p:clrMapOvr>
     <a:masterClrMapping/>
@@ -16843,7 +16084,7 @@
           </p:nvPr>
         </p:nvPicPr>
         <p:blipFill>
-          <a:blip r:embed="rId2">
+          <a:blip r:embed="rId1">
             <a:extLst>
               <a:ext uri="{28A0092B-C50C-407E-A947-70E740481C1C}">
                 <a14:useLocalDpi xmlns:a14="http://schemas.microsoft.com/office/drawing/2010/main" val="0"/>
@@ -16870,11 +16111,6 @@
         </p:spPr>
       </p:pic>
     </p:spTree>
-    <p:extLst>
-      <p:ext uri="{BB962C8B-B14F-4D97-AF65-F5344CB8AC3E}">
-        <p14:creationId xmlns:p14="http://schemas.microsoft.com/office/powerpoint/2010/main" val="3782051543"/>
-      </p:ext>
-    </p:extLst>
   </p:cSld>
   <p:clrMapOvr>
     <a:masterClrMapping/>
@@ -16964,10 +16200,6 @@
               <a:rPr lang="zh-CN" altLang="en-US" dirty="0" smtClean="0"/>
               <a:t>。</a:t>
             </a:r>
-            <a:r>
-              <a:rPr lang="zh-CN" altLang="zh-CN" dirty="0"/>
-              <a:t/>
-            </a:r>
             <a:br>
               <a:rPr lang="zh-CN" altLang="zh-CN" dirty="0"/>
             </a:br>
@@ -16986,7 +16218,7 @@
           </p:nvPr>
         </p:nvPicPr>
         <p:blipFill>
-          <a:blip r:embed="rId2">
+          <a:blip r:embed="rId1">
             <a:extLst>
               <a:ext uri="{28A0092B-C50C-407E-A947-70E740481C1C}">
                 <a14:useLocalDpi xmlns:a14="http://schemas.microsoft.com/office/drawing/2010/main" val="0"/>
@@ -17008,11 +16240,6 @@
         </p:spPr>
       </p:pic>
     </p:spTree>
-    <p:extLst>
-      <p:ext uri="{BB962C8B-B14F-4D97-AF65-F5344CB8AC3E}">
-        <p14:creationId xmlns:p14="http://schemas.microsoft.com/office/powerpoint/2010/main" val="2265370955"/>
-      </p:ext>
-    </p:extLst>
   </p:cSld>
   <p:clrMapOvr>
     <a:masterClrMapping/>
@@ -17063,7 +16290,7 @@
     </a:clrScheme>
     <a:fontScheme name="Circuit">
       <a:majorFont>
-        <a:latin typeface="Tw Cen MT" panose="020B0602020104020603"/>
+        <a:latin typeface="Tw Cen MT"/>
         <a:ea typeface=""/>
         <a:cs typeface=""/>
         <a:font script="Jpan" typeface="ＭＳ Ｐゴシック"/>
@@ -17098,7 +16325,7 @@
         <a:font script="Geor" typeface="Sylfaen"/>
       </a:majorFont>
       <a:minorFont>
-        <a:latin typeface="Tw Cen MT" panose="020B0602020104020603"/>
+        <a:latin typeface="Tw Cen MT"/>
         <a:ea typeface=""/>
         <a:cs typeface=""/>
         <a:font script="Jpan" typeface="ＭＳ Ｐゴシック"/>
@@ -17256,7 +16483,9 @@
               </a:schemeClr>
             </a:duotone>
           </a:blip>
-          <a:stretch/>
+          <a:stretch>
+            <a:fillRect/>
+          </a:stretch>
         </a:blipFill>
       </a:bgFillStyleLst>
     </a:fmtScheme>
@@ -17265,7 +16494,7 @@
   <a:extraClrSchemeLst/>
   <a:extLst>
     <a:ext uri="{05A4C25C-085E-4340-85A3-A5531E510DB2}">
-      <thm15:themeFamily xmlns:thm15="http://schemas.microsoft.com/office/thememl/2012/main" name="Circuit" id="{0AC2F7E7-15F5-431C-B2A2-456FE929F56C}" vid="{0911B802-464C-4241-8DD9-B60FF88E379F}"/>
+      <thm15:themeFamily xmlns:thm15="http://schemas.microsoft.com/office/thememl/2012/main" name="Office Theme" id="{62F939B6-93AF-4DB8-9C6B-D6C7DFDC589F}" vid="{4A3C46E8-61CC-4603-A589-7422A47A8E4A}"/>
     </a:ext>
   </a:extLst>
 </a:theme>
@@ -17314,7 +16543,7 @@
     </a:clrScheme>
     <a:fontScheme name="Office">
       <a:majorFont>
-        <a:latin typeface="等线 Light" panose="020F0302020204030204"/>
+        <a:latin typeface="等线 Light"/>
         <a:ea typeface=""/>
         <a:cs typeface=""/>
         <a:font script="Jpan" typeface="游ゴシック Light"/>
@@ -17349,7 +16578,7 @@
         <a:font script="Geor" typeface="Sylfaen"/>
       </a:majorFont>
       <a:minorFont>
-        <a:latin typeface="等线" panose="020F0502020204030204"/>
+        <a:latin typeface="等线"/>
         <a:ea typeface=""/>
         <a:cs typeface=""/>
         <a:font script="Jpan" typeface="游ゴシック"/>
